--- a/Default Data Group Project PowerPoint.pptx
+++ b/Default Data Group Project PowerPoint.pptx
@@ -16,8 +16,8 @@
     <p:sldId id="258" r:id="rId7"/>
     <p:sldId id="270" r:id="rId8"/>
     <p:sldId id="282" r:id="rId9"/>
-    <p:sldId id="280" r:id="rId10"/>
-    <p:sldId id="281" r:id="rId11"/>
+    <p:sldId id="285" r:id="rId10"/>
+    <p:sldId id="286" r:id="rId11"/>
     <p:sldId id="275" r:id="rId12"/>
     <p:sldId id="276" r:id="rId13"/>
     <p:sldId id="277" r:id="rId14"/>
@@ -212,7 +212,7 @@
           <a:p>
             <a:fld id="{41D4C394-24E9-44CB-9C33-02F5B265D3A1}" type="datetimeFigureOut">
               <a:rPr lang="en-US" smtClean="0"/>
-              <a:t>11/3/2017</a:t>
+              <a:t>11/3/17</a:t>
             </a:fld>
             <a:endParaRPr lang="en-US"/>
           </a:p>
@@ -634,6 +634,7 @@
           <a:p>
             <a:fld id="{D8AB4484-AB1F-4645-8DD6-DE839D6E79B3}" type="slidenum">
               <a:rPr lang="en-US" smtClean="0"/>
+              <a:pPr/>
               <a:t>10</a:t>
             </a:fld>
             <a:endParaRPr lang="en-US"/>
@@ -643,7 +644,7 @@
     </p:spTree>
     <p:extLst>
       <p:ext uri="{BB962C8B-B14F-4D97-AF65-F5344CB8AC3E}">
-        <p14:creationId xmlns:p14="http://schemas.microsoft.com/office/powerpoint/2010/main" val="1169792126"/>
+        <p14:creationId xmlns:p14="http://schemas.microsoft.com/office/powerpoint/2010/main" val="603394046"/>
       </p:ext>
     </p:extLst>
   </p:cSld>
@@ -2438,6 +2439,7 @@
           <a:p>
             <a:fld id="{D8AB4484-AB1F-4645-8DD6-DE839D6E79B3}" type="slidenum">
               <a:rPr lang="en-US" smtClean="0"/>
+              <a:pPr/>
               <a:t>9</a:t>
             </a:fld>
             <a:endParaRPr lang="en-US"/>
@@ -2447,7 +2449,7 @@
     </p:spTree>
     <p:extLst>
       <p:ext uri="{BB962C8B-B14F-4D97-AF65-F5344CB8AC3E}">
-        <p14:creationId xmlns:p14="http://schemas.microsoft.com/office/powerpoint/2010/main" val="4019828597"/>
+        <p14:creationId xmlns:p14="http://schemas.microsoft.com/office/powerpoint/2010/main" val="207386030"/>
       </p:ext>
     </p:extLst>
   </p:cSld>
@@ -2514,7 +2516,7 @@
           <a:noFill/>
           <a:extLst>
             <a:ext uri="{909E8E84-426E-40dd-AFC4-6F175D3DCCD1}">
-              <a14:hiddenFill xmlns:a14="http://schemas.microsoft.com/office/drawing/2010/main" xmlns="">
+              <a14:hiddenFill xmlns="" xmlns:a14="http://schemas.microsoft.com/office/drawing/2010/main">
                 <a:solidFill>
                   <a:srgbClr val="FFFFFF"/>
                 </a:solidFill>
@@ -2573,7 +2575,7 @@
             </a:ln>
             <a:extLst>
               <a:ext uri="{91240B29-F687-4f45-9708-019B960494DF}">
-                <a14:hiddenLine xmlns:a14="http://schemas.microsoft.com/office/drawing/2010/main" xmlns="" w="9525">
+                <a14:hiddenLine xmlns="" xmlns:a14="http://schemas.microsoft.com/office/drawing/2010/main" w="9525">
                   <a:solidFill>
                     <a:srgbClr val="000000"/>
                   </a:solidFill>
@@ -2663,7 +2665,7 @@
             </a:ln>
             <a:extLst>
               <a:ext uri="{91240B29-F687-4f45-9708-019B960494DF}">
-                <a14:hiddenLine xmlns:a14="http://schemas.microsoft.com/office/drawing/2010/main" xmlns="" w="9525">
+                <a14:hiddenLine xmlns="" xmlns:a14="http://schemas.microsoft.com/office/drawing/2010/main" w="9525">
                   <a:solidFill>
                     <a:srgbClr val="000000"/>
                   </a:solidFill>
@@ -2753,7 +2755,7 @@
             </a:ln>
             <a:extLst>
               <a:ext uri="{91240B29-F687-4f45-9708-019B960494DF}">
-                <a14:hiddenLine xmlns:a14="http://schemas.microsoft.com/office/drawing/2010/main" xmlns="" w="9525">
+                <a14:hiddenLine xmlns="" xmlns:a14="http://schemas.microsoft.com/office/drawing/2010/main" w="9525">
                   <a:solidFill>
                     <a:srgbClr val="000000"/>
                   </a:solidFill>
@@ -2787,7 +2789,7 @@
             </a:ln>
             <a:extLst>
               <a:ext uri="{91240B29-F687-4f45-9708-019B960494DF}">
-                <a14:hiddenLine xmlns:a14="http://schemas.microsoft.com/office/drawing/2010/main" xmlns="" w="9525">
+                <a14:hiddenLine xmlns="" xmlns:a14="http://schemas.microsoft.com/office/drawing/2010/main" w="9525">
                   <a:solidFill>
                     <a:srgbClr val="000000"/>
                   </a:solidFill>
@@ -2877,7 +2879,7 @@
             </a:ln>
             <a:extLst>
               <a:ext uri="{91240B29-F687-4f45-9708-019B960494DF}">
-                <a14:hiddenLine xmlns:a14="http://schemas.microsoft.com/office/drawing/2010/main" xmlns="" w="9525">
+                <a14:hiddenLine xmlns="" xmlns:a14="http://schemas.microsoft.com/office/drawing/2010/main" w="9525">
                   <a:solidFill>
                     <a:srgbClr val="000000"/>
                   </a:solidFill>
@@ -2939,7 +2941,7 @@
             </a:ln>
             <a:extLst>
               <a:ext uri="{91240B29-F687-4f45-9708-019B960494DF}">
-                <a14:hiddenLine xmlns:a14="http://schemas.microsoft.com/office/drawing/2010/main" xmlns="" w="9525">
+                <a14:hiddenLine xmlns="" xmlns:a14="http://schemas.microsoft.com/office/drawing/2010/main" w="9525">
                   <a:solidFill>
                     <a:srgbClr val="000000"/>
                   </a:solidFill>
@@ -3001,7 +3003,7 @@
             </a:ln>
             <a:extLst>
               <a:ext uri="{91240B29-F687-4f45-9708-019B960494DF}">
-                <a14:hiddenLine xmlns:a14="http://schemas.microsoft.com/office/drawing/2010/main" xmlns="" w="9525">
+                <a14:hiddenLine xmlns="" xmlns:a14="http://schemas.microsoft.com/office/drawing/2010/main" w="9525">
                   <a:solidFill>
                     <a:srgbClr val="000000"/>
                   </a:solidFill>
@@ -3091,7 +3093,7 @@
             </a:ln>
             <a:extLst>
               <a:ext uri="{91240B29-F687-4f45-9708-019B960494DF}">
-                <a14:hiddenLine xmlns:a14="http://schemas.microsoft.com/office/drawing/2010/main" xmlns="" w="9525">
+                <a14:hiddenLine xmlns="" xmlns:a14="http://schemas.microsoft.com/office/drawing/2010/main" w="9525">
                   <a:solidFill>
                     <a:srgbClr val="000000"/>
                   </a:solidFill>
@@ -3153,7 +3155,7 @@
             </a:ln>
             <a:extLst>
               <a:ext uri="{91240B29-F687-4f45-9708-019B960494DF}">
-                <a14:hiddenLine xmlns:a14="http://schemas.microsoft.com/office/drawing/2010/main" xmlns="" w="9525">
+                <a14:hiddenLine xmlns="" xmlns:a14="http://schemas.microsoft.com/office/drawing/2010/main" w="9525">
                   <a:solidFill>
                     <a:srgbClr val="000000"/>
                   </a:solidFill>
@@ -3215,7 +3217,7 @@
             </a:ln>
             <a:extLst>
               <a:ext uri="{91240B29-F687-4f45-9708-019B960494DF}">
-                <a14:hiddenLine xmlns:a14="http://schemas.microsoft.com/office/drawing/2010/main" xmlns="" w="9525">
+                <a14:hiddenLine xmlns="" xmlns:a14="http://schemas.microsoft.com/office/drawing/2010/main" w="9525">
                   <a:solidFill>
                     <a:srgbClr val="000000"/>
                   </a:solidFill>
@@ -3305,7 +3307,7 @@
             </a:ln>
             <a:extLst>
               <a:ext uri="{91240B29-F687-4f45-9708-019B960494DF}">
-                <a14:hiddenLine xmlns:a14="http://schemas.microsoft.com/office/drawing/2010/main" xmlns="" w="9525">
+                <a14:hiddenLine xmlns="" xmlns:a14="http://schemas.microsoft.com/office/drawing/2010/main" w="9525">
                   <a:solidFill>
                     <a:srgbClr val="000000"/>
                   </a:solidFill>
@@ -3395,7 +3397,7 @@
             </a:ln>
             <a:extLst>
               <a:ext uri="{91240B29-F687-4f45-9708-019B960494DF}">
-                <a14:hiddenLine xmlns:a14="http://schemas.microsoft.com/office/drawing/2010/main" xmlns="" w="9525">
+                <a14:hiddenLine xmlns="" xmlns:a14="http://schemas.microsoft.com/office/drawing/2010/main" w="9525">
                   <a:solidFill>
                     <a:srgbClr val="000000"/>
                   </a:solidFill>
@@ -3457,7 +3459,7 @@
             </a:ln>
             <a:extLst>
               <a:ext uri="{91240B29-F687-4f45-9708-019B960494DF}">
-                <a14:hiddenLine xmlns:a14="http://schemas.microsoft.com/office/drawing/2010/main" xmlns="" w="9525">
+                <a14:hiddenLine xmlns="" xmlns:a14="http://schemas.microsoft.com/office/drawing/2010/main" w="9525">
                   <a:solidFill>
                     <a:srgbClr val="000000"/>
                   </a:solidFill>
@@ -3567,7 +3569,7 @@
             </a:ln>
             <a:extLst>
               <a:ext uri="{91240B29-F687-4f45-9708-019B960494DF}">
-                <a14:hiddenLine xmlns:a14="http://schemas.microsoft.com/office/drawing/2010/main" xmlns="" w="9525">
+                <a14:hiddenLine xmlns="" xmlns:a14="http://schemas.microsoft.com/office/drawing/2010/main" w="9525">
                   <a:solidFill>
                     <a:srgbClr val="000000"/>
                   </a:solidFill>
@@ -3629,7 +3631,7 @@
             </a:ln>
             <a:extLst>
               <a:ext uri="{91240B29-F687-4f45-9708-019B960494DF}">
-                <a14:hiddenLine xmlns:a14="http://schemas.microsoft.com/office/drawing/2010/main" xmlns="" w="9525">
+                <a14:hiddenLine xmlns="" xmlns:a14="http://schemas.microsoft.com/office/drawing/2010/main" w="9525">
                   <a:solidFill>
                     <a:srgbClr val="000000"/>
                   </a:solidFill>
@@ -3719,7 +3721,7 @@
             </a:ln>
             <a:extLst>
               <a:ext uri="{91240B29-F687-4f45-9708-019B960494DF}">
-                <a14:hiddenLine xmlns:a14="http://schemas.microsoft.com/office/drawing/2010/main" xmlns="" w="9525">
+                <a14:hiddenLine xmlns="" xmlns:a14="http://schemas.microsoft.com/office/drawing/2010/main" w="9525">
                   <a:solidFill>
                     <a:srgbClr val="000000"/>
                   </a:solidFill>
@@ -3809,7 +3811,7 @@
             </a:ln>
             <a:extLst>
               <a:ext uri="{91240B29-F687-4f45-9708-019B960494DF}">
-                <a14:hiddenLine xmlns:a14="http://schemas.microsoft.com/office/drawing/2010/main" xmlns="" w="9525">
+                <a14:hiddenLine xmlns="" xmlns:a14="http://schemas.microsoft.com/office/drawing/2010/main" w="9525">
                   <a:solidFill>
                     <a:srgbClr val="000000"/>
                   </a:solidFill>
@@ -3871,7 +3873,7 @@
             </a:ln>
             <a:extLst>
               <a:ext uri="{91240B29-F687-4f45-9708-019B960494DF}">
-                <a14:hiddenLine xmlns:a14="http://schemas.microsoft.com/office/drawing/2010/main" xmlns="" w="9525">
+                <a14:hiddenLine xmlns="" xmlns:a14="http://schemas.microsoft.com/office/drawing/2010/main" w="9525">
                   <a:solidFill>
                     <a:srgbClr val="000000"/>
                   </a:solidFill>
@@ -3961,7 +3963,7 @@
             </a:ln>
             <a:extLst>
               <a:ext uri="{91240B29-F687-4f45-9708-019B960494DF}">
-                <a14:hiddenLine xmlns:a14="http://schemas.microsoft.com/office/drawing/2010/main" xmlns="" w="9525">
+                <a14:hiddenLine xmlns="" xmlns:a14="http://schemas.microsoft.com/office/drawing/2010/main" w="9525">
                   <a:solidFill>
                     <a:srgbClr val="000000"/>
                   </a:solidFill>
@@ -4051,7 +4053,7 @@
             </a:ln>
             <a:extLst>
               <a:ext uri="{91240B29-F687-4f45-9708-019B960494DF}">
-                <a14:hiddenLine xmlns:a14="http://schemas.microsoft.com/office/drawing/2010/main" xmlns="" w="9525">
+                <a14:hiddenLine xmlns="" xmlns:a14="http://schemas.microsoft.com/office/drawing/2010/main" w="9525">
                   <a:solidFill>
                     <a:srgbClr val="000000"/>
                   </a:solidFill>
@@ -4107,7 +4109,7 @@
             </a:ln>
             <a:extLst>
               <a:ext uri="{91240B29-F687-4f45-9708-019B960494DF}">
-                <a14:hiddenLine xmlns:a14="http://schemas.microsoft.com/office/drawing/2010/main" xmlns="" w="9525">
+                <a14:hiddenLine xmlns="" xmlns:a14="http://schemas.microsoft.com/office/drawing/2010/main" w="9525">
                   <a:solidFill>
                     <a:srgbClr val="000000"/>
                   </a:solidFill>
@@ -4197,7 +4199,7 @@
             </a:ln>
             <a:extLst>
               <a:ext uri="{91240B29-F687-4f45-9708-019B960494DF}">
-                <a14:hiddenLine xmlns:a14="http://schemas.microsoft.com/office/drawing/2010/main" xmlns="" w="9525">
+                <a14:hiddenLine xmlns="" xmlns:a14="http://schemas.microsoft.com/office/drawing/2010/main" w="9525">
                   <a:solidFill>
                     <a:srgbClr val="000000"/>
                   </a:solidFill>
@@ -4253,7 +4255,7 @@
             </a:ln>
             <a:extLst>
               <a:ext uri="{91240B29-F687-4f45-9708-019B960494DF}">
-                <a14:hiddenLine xmlns:a14="http://schemas.microsoft.com/office/drawing/2010/main" xmlns="" w="9525">
+                <a14:hiddenLine xmlns="" xmlns:a14="http://schemas.microsoft.com/office/drawing/2010/main" w="9525">
                   <a:solidFill>
                     <a:srgbClr val="000000"/>
                   </a:solidFill>
@@ -4343,7 +4345,7 @@
             </a:ln>
             <a:extLst>
               <a:ext uri="{91240B29-F687-4f45-9708-019B960494DF}">
-                <a14:hiddenLine xmlns:a14="http://schemas.microsoft.com/office/drawing/2010/main" xmlns="" w="9525">
+                <a14:hiddenLine xmlns="" xmlns:a14="http://schemas.microsoft.com/office/drawing/2010/main" w="9525">
                   <a:solidFill>
                     <a:srgbClr val="000000"/>
                   </a:solidFill>
@@ -4411,7 +4413,7 @@
             </a:ln>
             <a:extLst>
               <a:ext uri="{91240B29-F687-4f45-9708-019B960494DF}">
-                <a14:hiddenLine xmlns:a14="http://schemas.microsoft.com/office/drawing/2010/main" xmlns="" w="9525">
+                <a14:hiddenLine xmlns="" xmlns:a14="http://schemas.microsoft.com/office/drawing/2010/main" w="9525">
                   <a:solidFill>
                     <a:srgbClr val="000000"/>
                   </a:solidFill>
@@ -4501,7 +4503,7 @@
             </a:ln>
             <a:extLst>
               <a:ext uri="{91240B29-F687-4f45-9708-019B960494DF}">
-                <a14:hiddenLine xmlns:a14="http://schemas.microsoft.com/office/drawing/2010/main" xmlns="" w="9525">
+                <a14:hiddenLine xmlns="" xmlns:a14="http://schemas.microsoft.com/office/drawing/2010/main" w="9525">
                   <a:solidFill>
                     <a:srgbClr val="000000"/>
                   </a:solidFill>
@@ -4569,7 +4571,7 @@
             </a:ln>
             <a:extLst>
               <a:ext uri="{91240B29-F687-4f45-9708-019B960494DF}">
-                <a14:hiddenLine xmlns:a14="http://schemas.microsoft.com/office/drawing/2010/main" xmlns="" w="9525">
+                <a14:hiddenLine xmlns="" xmlns:a14="http://schemas.microsoft.com/office/drawing/2010/main" w="9525">
                   <a:solidFill>
                     <a:srgbClr val="000000"/>
                   </a:solidFill>
@@ -4659,7 +4661,7 @@
             </a:ln>
             <a:extLst>
               <a:ext uri="{91240B29-F687-4f45-9708-019B960494DF}">
-                <a14:hiddenLine xmlns:a14="http://schemas.microsoft.com/office/drawing/2010/main" xmlns="" w="9525">
+                <a14:hiddenLine xmlns="" xmlns:a14="http://schemas.microsoft.com/office/drawing/2010/main" w="9525">
                   <a:solidFill>
                     <a:srgbClr val="000000"/>
                   </a:solidFill>
@@ -4693,7 +4695,7 @@
             </a:ln>
             <a:extLst>
               <a:ext uri="{91240B29-F687-4f45-9708-019B960494DF}">
-                <a14:hiddenLine xmlns:a14="http://schemas.microsoft.com/office/drawing/2010/main" xmlns="" w="9525">
+                <a14:hiddenLine xmlns="" xmlns:a14="http://schemas.microsoft.com/office/drawing/2010/main" w="9525">
                   <a:solidFill>
                     <a:srgbClr val="000000"/>
                   </a:solidFill>
@@ -4783,7 +4785,7 @@
             </a:ln>
             <a:extLst>
               <a:ext uri="{91240B29-F687-4f45-9708-019B960494DF}">
-                <a14:hiddenLine xmlns:a14="http://schemas.microsoft.com/office/drawing/2010/main" xmlns="" w="9525">
+                <a14:hiddenLine xmlns="" xmlns:a14="http://schemas.microsoft.com/office/drawing/2010/main" w="9525">
                   <a:solidFill>
                     <a:srgbClr val="000000"/>
                   </a:solidFill>
@@ -4845,7 +4847,7 @@
             </a:ln>
             <a:extLst>
               <a:ext uri="{91240B29-F687-4f45-9708-019B960494DF}">
-                <a14:hiddenLine xmlns:a14="http://schemas.microsoft.com/office/drawing/2010/main" xmlns="" w="9525">
+                <a14:hiddenLine xmlns="" xmlns:a14="http://schemas.microsoft.com/office/drawing/2010/main" w="9525">
                   <a:solidFill>
                     <a:srgbClr val="000000"/>
                   </a:solidFill>
@@ -4907,7 +4909,7 @@
             </a:ln>
             <a:extLst>
               <a:ext uri="{91240B29-F687-4f45-9708-019B960494DF}">
-                <a14:hiddenLine xmlns:a14="http://schemas.microsoft.com/office/drawing/2010/main" xmlns="" w="9525">
+                <a14:hiddenLine xmlns="" xmlns:a14="http://schemas.microsoft.com/office/drawing/2010/main" w="9525">
                   <a:solidFill>
                     <a:srgbClr val="000000"/>
                   </a:solidFill>
@@ -4997,7 +4999,7 @@
             </a:ln>
             <a:extLst>
               <a:ext uri="{91240B29-F687-4f45-9708-019B960494DF}">
-                <a14:hiddenLine xmlns:a14="http://schemas.microsoft.com/office/drawing/2010/main" xmlns="" w="9525">
+                <a14:hiddenLine xmlns="" xmlns:a14="http://schemas.microsoft.com/office/drawing/2010/main" w="9525">
                   <a:solidFill>
                     <a:srgbClr val="000000"/>
                   </a:solidFill>
@@ -5065,7 +5067,7 @@
             </a:ln>
             <a:extLst>
               <a:ext uri="{91240B29-F687-4f45-9708-019B960494DF}">
-                <a14:hiddenLine xmlns:a14="http://schemas.microsoft.com/office/drawing/2010/main" xmlns="" w="9525">
+                <a14:hiddenLine xmlns="" xmlns:a14="http://schemas.microsoft.com/office/drawing/2010/main" w="9525">
                   <a:solidFill>
                     <a:srgbClr val="000000"/>
                   </a:solidFill>
@@ -5127,7 +5129,7 @@
             </a:ln>
             <a:extLst>
               <a:ext uri="{91240B29-F687-4f45-9708-019B960494DF}">
-                <a14:hiddenLine xmlns:a14="http://schemas.microsoft.com/office/drawing/2010/main" xmlns="" w="9525">
+                <a14:hiddenLine xmlns="" xmlns:a14="http://schemas.microsoft.com/office/drawing/2010/main" w="9525">
                   <a:solidFill>
                     <a:srgbClr val="000000"/>
                   </a:solidFill>
@@ -5217,7 +5219,7 @@
             </a:ln>
             <a:extLst>
               <a:ext uri="{91240B29-F687-4f45-9708-019B960494DF}">
-                <a14:hiddenLine xmlns:a14="http://schemas.microsoft.com/office/drawing/2010/main" xmlns="" w="9525">
+                <a14:hiddenLine xmlns="" xmlns:a14="http://schemas.microsoft.com/office/drawing/2010/main" w="9525">
                   <a:solidFill>
                     <a:srgbClr val="000000"/>
                   </a:solidFill>
@@ -5279,7 +5281,7 @@
             </a:ln>
             <a:extLst>
               <a:ext uri="{91240B29-F687-4f45-9708-019B960494DF}">
-                <a14:hiddenLine xmlns:a14="http://schemas.microsoft.com/office/drawing/2010/main" xmlns="" w="9525">
+                <a14:hiddenLine xmlns="" xmlns:a14="http://schemas.microsoft.com/office/drawing/2010/main" w="9525">
                   <a:solidFill>
                     <a:srgbClr val="000000"/>
                   </a:solidFill>
@@ -5369,7 +5371,7 @@
             </a:ln>
             <a:extLst>
               <a:ext uri="{91240B29-F687-4f45-9708-019B960494DF}">
-                <a14:hiddenLine xmlns:a14="http://schemas.microsoft.com/office/drawing/2010/main" xmlns="" w="9525">
+                <a14:hiddenLine xmlns="" xmlns:a14="http://schemas.microsoft.com/office/drawing/2010/main" w="9525">
                   <a:solidFill>
                     <a:srgbClr val="000000"/>
                   </a:solidFill>
@@ -5431,7 +5433,7 @@
             </a:ln>
             <a:extLst>
               <a:ext uri="{91240B29-F687-4f45-9708-019B960494DF}">
-                <a14:hiddenLine xmlns:a14="http://schemas.microsoft.com/office/drawing/2010/main" xmlns="" w="9525">
+                <a14:hiddenLine xmlns="" xmlns:a14="http://schemas.microsoft.com/office/drawing/2010/main" w="9525">
                   <a:solidFill>
                     <a:srgbClr val="000000"/>
                   </a:solidFill>
@@ -5521,7 +5523,7 @@
             </a:ln>
             <a:extLst>
               <a:ext uri="{91240B29-F687-4f45-9708-019B960494DF}">
-                <a14:hiddenLine xmlns:a14="http://schemas.microsoft.com/office/drawing/2010/main" xmlns="" w="9525">
+                <a14:hiddenLine xmlns="" xmlns:a14="http://schemas.microsoft.com/office/drawing/2010/main" w="9525">
                   <a:solidFill>
                     <a:srgbClr val="000000"/>
                   </a:solidFill>
@@ -5555,7 +5557,7 @@
             </a:ln>
             <a:extLst>
               <a:ext uri="{91240B29-F687-4f45-9708-019B960494DF}">
-                <a14:hiddenLine xmlns:a14="http://schemas.microsoft.com/office/drawing/2010/main" xmlns="" w="9525">
+                <a14:hiddenLine xmlns="" xmlns:a14="http://schemas.microsoft.com/office/drawing/2010/main" w="9525">
                   <a:solidFill>
                     <a:srgbClr val="000000"/>
                   </a:solidFill>
@@ -5620,7 +5622,7 @@
             </a:ln>
             <a:extLst>
               <a:ext uri="{91240B29-F687-4f45-9708-019B960494DF}">
-                <a14:hiddenLine xmlns:a14="http://schemas.microsoft.com/office/drawing/2010/main" xmlns="" w="9525">
+                <a14:hiddenLine xmlns="" xmlns:a14="http://schemas.microsoft.com/office/drawing/2010/main" w="9525">
                   <a:solidFill>
                     <a:srgbClr val="000000"/>
                   </a:solidFill>
@@ -5710,7 +5712,7 @@
             </a:ln>
             <a:extLst>
               <a:ext uri="{91240B29-F687-4f45-9708-019B960494DF}">
-                <a14:hiddenLine xmlns:a14="http://schemas.microsoft.com/office/drawing/2010/main" xmlns="" w="9525">
+                <a14:hiddenLine xmlns="" xmlns:a14="http://schemas.microsoft.com/office/drawing/2010/main" w="9525">
                   <a:solidFill>
                     <a:srgbClr val="000000"/>
                   </a:solidFill>
@@ -5772,7 +5774,7 @@
             </a:ln>
             <a:extLst>
               <a:ext uri="{91240B29-F687-4f45-9708-019B960494DF}">
-                <a14:hiddenLine xmlns:a14="http://schemas.microsoft.com/office/drawing/2010/main" xmlns="" w="9525">
+                <a14:hiddenLine xmlns="" xmlns:a14="http://schemas.microsoft.com/office/drawing/2010/main" w="9525">
                   <a:solidFill>
                     <a:srgbClr val="000000"/>
                   </a:solidFill>
@@ -5862,7 +5864,7 @@
             </a:ln>
             <a:extLst>
               <a:ext uri="{91240B29-F687-4f45-9708-019B960494DF}">
-                <a14:hiddenLine xmlns:a14="http://schemas.microsoft.com/office/drawing/2010/main" xmlns="" w="9525">
+                <a14:hiddenLine xmlns="" xmlns:a14="http://schemas.microsoft.com/office/drawing/2010/main" w="9525">
                   <a:solidFill>
                     <a:srgbClr val="000000"/>
                   </a:solidFill>
@@ -5952,7 +5954,7 @@
             </a:ln>
             <a:extLst>
               <a:ext uri="{91240B29-F687-4f45-9708-019B960494DF}">
-                <a14:hiddenLine xmlns:a14="http://schemas.microsoft.com/office/drawing/2010/main" xmlns="" w="9525">
+                <a14:hiddenLine xmlns="" xmlns:a14="http://schemas.microsoft.com/office/drawing/2010/main" w="9525">
                   <a:solidFill>
                     <a:srgbClr val="000000"/>
                   </a:solidFill>
@@ -6017,7 +6019,7 @@
             </a:ln>
             <a:extLst>
               <a:ext uri="{91240B29-F687-4f45-9708-019B960494DF}">
-                <a14:hiddenLine xmlns:a14="http://schemas.microsoft.com/office/drawing/2010/main" xmlns="" w="9525">
+                <a14:hiddenLine xmlns="" xmlns:a14="http://schemas.microsoft.com/office/drawing/2010/main" w="9525">
                   <a:solidFill>
                     <a:srgbClr val="000000"/>
                   </a:solidFill>
@@ -6079,7 +6081,7 @@
             </a:ln>
             <a:extLst>
               <a:ext uri="{91240B29-F687-4f45-9708-019B960494DF}">
-                <a14:hiddenLine xmlns:a14="http://schemas.microsoft.com/office/drawing/2010/main" xmlns="" w="9525">
+                <a14:hiddenLine xmlns="" xmlns:a14="http://schemas.microsoft.com/office/drawing/2010/main" w="9525">
                   <a:solidFill>
                     <a:srgbClr val="000000"/>
                   </a:solidFill>
@@ -6169,7 +6171,7 @@
             </a:ln>
             <a:extLst>
               <a:ext uri="{91240B29-F687-4f45-9708-019B960494DF}">
-                <a14:hiddenLine xmlns:a14="http://schemas.microsoft.com/office/drawing/2010/main" xmlns="" w="9525">
+                <a14:hiddenLine xmlns="" xmlns:a14="http://schemas.microsoft.com/office/drawing/2010/main" w="9525">
                   <a:solidFill>
                     <a:srgbClr val="000000"/>
                   </a:solidFill>
@@ -6259,7 +6261,7 @@
             </a:ln>
             <a:extLst>
               <a:ext uri="{91240B29-F687-4f45-9708-019B960494DF}">
-                <a14:hiddenLine xmlns:a14="http://schemas.microsoft.com/office/drawing/2010/main" xmlns="" w="9525">
+                <a14:hiddenLine xmlns="" xmlns:a14="http://schemas.microsoft.com/office/drawing/2010/main" w="9525">
                   <a:solidFill>
                     <a:srgbClr val="000000"/>
                   </a:solidFill>
@@ -6321,7 +6323,7 @@
             </a:ln>
             <a:extLst>
               <a:ext uri="{91240B29-F687-4f45-9708-019B960494DF}">
-                <a14:hiddenLine xmlns:a14="http://schemas.microsoft.com/office/drawing/2010/main" xmlns="" w="9525">
+                <a14:hiddenLine xmlns="" xmlns:a14="http://schemas.microsoft.com/office/drawing/2010/main" w="9525">
                   <a:solidFill>
                     <a:srgbClr val="000000"/>
                   </a:solidFill>
@@ -6441,7 +6443,7 @@
             </a:ln>
             <a:extLst>
               <a:ext uri="{91240B29-F687-4f45-9708-019B960494DF}">
-                <a14:hiddenLine xmlns:a14="http://schemas.microsoft.com/office/drawing/2010/main" xmlns="" w="9525">
+                <a14:hiddenLine xmlns="" xmlns:a14="http://schemas.microsoft.com/office/drawing/2010/main" w="9525">
                   <a:solidFill>
                     <a:srgbClr val="000000"/>
                   </a:solidFill>
@@ -6509,7 +6511,7 @@
             </a:ln>
             <a:extLst>
               <a:ext uri="{91240B29-F687-4f45-9708-019B960494DF}">
-                <a14:hiddenLine xmlns:a14="http://schemas.microsoft.com/office/drawing/2010/main" xmlns="" w="9525">
+                <a14:hiddenLine xmlns="" xmlns:a14="http://schemas.microsoft.com/office/drawing/2010/main" w="9525">
                   <a:solidFill>
                     <a:srgbClr val="000000"/>
                   </a:solidFill>
@@ -6599,7 +6601,7 @@
             </a:ln>
             <a:extLst>
               <a:ext uri="{91240B29-F687-4f45-9708-019B960494DF}">
-                <a14:hiddenLine xmlns:a14="http://schemas.microsoft.com/office/drawing/2010/main" xmlns="" w="9525">
+                <a14:hiddenLine xmlns="" xmlns:a14="http://schemas.microsoft.com/office/drawing/2010/main" w="9525">
                   <a:solidFill>
                     <a:srgbClr val="000000"/>
                   </a:solidFill>
@@ -6739,7 +6741,7 @@
           <a:p>
             <a:fld id="{99CA241C-74EB-4EA5-BF9F-19FE0857909F}" type="datetimeFigureOut">
               <a:rPr lang="en-US" smtClean="0"/>
-              <a:t>11/3/2017</a:t>
+              <a:t>11/3/17</a:t>
             </a:fld>
             <a:endParaRPr lang="en-US"/>
           </a:p>
@@ -7006,7 +7008,7 @@
           <a:p>
             <a:fld id="{99CA241C-74EB-4EA5-BF9F-19FE0857909F}" type="datetimeFigureOut">
               <a:rPr lang="en-US" smtClean="0"/>
-              <a:t>11/3/2017</a:t>
+              <a:t>11/3/17</a:t>
             </a:fld>
             <a:endParaRPr lang="en-US"/>
           </a:p>
@@ -7202,7 +7204,7 @@
           <a:p>
             <a:fld id="{99CA241C-74EB-4EA5-BF9F-19FE0857909F}" type="datetimeFigureOut">
               <a:rPr lang="en-US" smtClean="0"/>
-              <a:t>11/3/2017</a:t>
+              <a:t>11/3/17</a:t>
             </a:fld>
             <a:endParaRPr lang="en-US"/>
           </a:p>
@@ -7465,7 +7467,7 @@
           <a:p>
             <a:fld id="{99CA241C-74EB-4EA5-BF9F-19FE0857909F}" type="datetimeFigureOut">
               <a:rPr lang="en-US" smtClean="0"/>
-              <a:t>11/3/2017</a:t>
+              <a:t>11/3/17</a:t>
             </a:fld>
             <a:endParaRPr lang="en-US"/>
           </a:p>
@@ -7899,7 +7901,7 @@
           <a:p>
             <a:fld id="{99CA241C-74EB-4EA5-BF9F-19FE0857909F}" type="datetimeFigureOut">
               <a:rPr lang="en-US" smtClean="0"/>
-              <a:t>11/3/2017</a:t>
+              <a:t>11/3/17</a:t>
             </a:fld>
             <a:endParaRPr lang="en-US"/>
           </a:p>
@@ -8445,7 +8447,7 @@
           <a:p>
             <a:fld id="{99CA241C-74EB-4EA5-BF9F-19FE0857909F}" type="datetimeFigureOut">
               <a:rPr lang="en-US" smtClean="0"/>
-              <a:t>11/3/2017</a:t>
+              <a:t>11/3/17</a:t>
             </a:fld>
             <a:endParaRPr lang="en-US"/>
           </a:p>
@@ -9165,7 +9167,7 @@
           <a:p>
             <a:fld id="{99CA241C-74EB-4EA5-BF9F-19FE0857909F}" type="datetimeFigureOut">
               <a:rPr lang="en-US" smtClean="0"/>
-              <a:t>11/3/2017</a:t>
+              <a:t>11/3/17</a:t>
             </a:fld>
             <a:endParaRPr lang="en-US"/>
           </a:p>
@@ -9335,7 +9337,7 @@
           <a:p>
             <a:fld id="{99CA241C-74EB-4EA5-BF9F-19FE0857909F}" type="datetimeFigureOut">
               <a:rPr lang="en-US" smtClean="0"/>
-              <a:t>11/3/2017</a:t>
+              <a:t>11/3/17</a:t>
             </a:fld>
             <a:endParaRPr lang="en-US"/>
           </a:p>
@@ -9515,7 +9517,7 @@
           <a:p>
             <a:fld id="{99CA241C-74EB-4EA5-BF9F-19FE0857909F}" type="datetimeFigureOut">
               <a:rPr lang="en-US" smtClean="0"/>
-              <a:t>11/3/2017</a:t>
+              <a:t>11/3/17</a:t>
             </a:fld>
             <a:endParaRPr lang="en-US"/>
           </a:p>
@@ -9685,7 +9687,7 @@
           <a:p>
             <a:fld id="{99CA241C-74EB-4EA5-BF9F-19FE0857909F}" type="datetimeFigureOut">
               <a:rPr lang="en-US" smtClean="0"/>
-              <a:t>11/3/2017</a:t>
+              <a:t>11/3/17</a:t>
             </a:fld>
             <a:endParaRPr lang="en-US"/>
           </a:p>
@@ -9935,7 +9937,7 @@
           <a:p>
             <a:fld id="{99CA241C-74EB-4EA5-BF9F-19FE0857909F}" type="datetimeFigureOut">
               <a:rPr lang="en-US" smtClean="0"/>
-              <a:t>11/3/2017</a:t>
+              <a:t>11/3/17</a:t>
             </a:fld>
             <a:endParaRPr lang="en-US"/>
           </a:p>
@@ -10167,7 +10169,7 @@
           <a:p>
             <a:fld id="{99CA241C-74EB-4EA5-BF9F-19FE0857909F}" type="datetimeFigureOut">
               <a:rPr lang="en-US" smtClean="0"/>
-              <a:t>11/3/2017</a:t>
+              <a:t>11/3/17</a:t>
             </a:fld>
             <a:endParaRPr lang="en-US"/>
           </a:p>
@@ -10548,7 +10550,7 @@
           <a:p>
             <a:fld id="{99CA241C-74EB-4EA5-BF9F-19FE0857909F}" type="datetimeFigureOut">
               <a:rPr lang="en-US" smtClean="0"/>
-              <a:t>11/3/2017</a:t>
+              <a:t>11/3/17</a:t>
             </a:fld>
             <a:endParaRPr lang="en-US"/>
           </a:p>
@@ -10666,7 +10668,7 @@
           <a:p>
             <a:fld id="{99CA241C-74EB-4EA5-BF9F-19FE0857909F}" type="datetimeFigureOut">
               <a:rPr lang="en-US" smtClean="0"/>
-              <a:t>11/3/2017</a:t>
+              <a:t>11/3/17</a:t>
             </a:fld>
             <a:endParaRPr lang="en-US"/>
           </a:p>
@@ -10761,7 +10763,7 @@
           <a:p>
             <a:fld id="{99CA241C-74EB-4EA5-BF9F-19FE0857909F}" type="datetimeFigureOut">
               <a:rPr lang="en-US" smtClean="0"/>
-              <a:t>11/3/2017</a:t>
+              <a:t>11/3/17</a:t>
             </a:fld>
             <a:endParaRPr lang="en-US"/>
           </a:p>
@@ -11010,7 +11012,7 @@
           <a:p>
             <a:fld id="{99CA241C-74EB-4EA5-BF9F-19FE0857909F}" type="datetimeFigureOut">
               <a:rPr lang="en-US" smtClean="0"/>
-              <a:t>11/3/2017</a:t>
+              <a:t>11/3/17</a:t>
             </a:fld>
             <a:endParaRPr lang="en-US"/>
           </a:p>
@@ -11290,7 +11292,7 @@
           <a:p>
             <a:fld id="{99CA241C-74EB-4EA5-BF9F-19FE0857909F}" type="datetimeFigureOut">
               <a:rPr lang="en-US" smtClean="0"/>
-              <a:t>11/3/2017</a:t>
+              <a:t>11/3/17</a:t>
             </a:fld>
             <a:endParaRPr lang="en-US"/>
           </a:p>
@@ -11413,7 +11415,7 @@
           <a:noFill/>
           <a:extLst>
             <a:ext uri="{909E8E84-426E-40dd-AFC4-6F175D3DCCD1}">
-              <a14:hiddenFill xmlns:a14="http://schemas.microsoft.com/office/drawing/2010/main" xmlns="">
+              <a14:hiddenFill xmlns="" xmlns:a14="http://schemas.microsoft.com/office/drawing/2010/main">
                 <a:solidFill>
                   <a:srgbClr val="FFFFFF"/>
                 </a:solidFill>
@@ -11487,7 +11489,7 @@
               </a:ln>
               <a:extLst>
                 <a:ext uri="{91240B29-F687-4f45-9708-019B960494DF}">
-                  <a14:hiddenLine xmlns:a14="http://schemas.microsoft.com/office/drawing/2010/main" xmlns="" w="9525">
+                  <a14:hiddenLine xmlns="" xmlns:a14="http://schemas.microsoft.com/office/drawing/2010/main" w="9525">
                     <a:solidFill>
                       <a:srgbClr val="000000"/>
                     </a:solidFill>
@@ -11577,7 +11579,7 @@
               </a:ln>
               <a:extLst>
                 <a:ext uri="{91240B29-F687-4f45-9708-019B960494DF}">
-                  <a14:hiddenLine xmlns:a14="http://schemas.microsoft.com/office/drawing/2010/main" xmlns="" w="9525">
+                  <a14:hiddenLine xmlns="" xmlns:a14="http://schemas.microsoft.com/office/drawing/2010/main" w="9525">
                     <a:solidFill>
                       <a:srgbClr val="000000"/>
                     </a:solidFill>
@@ -11667,7 +11669,7 @@
               </a:ln>
               <a:extLst>
                 <a:ext uri="{91240B29-F687-4f45-9708-019B960494DF}">
-                  <a14:hiddenLine xmlns:a14="http://schemas.microsoft.com/office/drawing/2010/main" xmlns="" w="9525">
+                  <a14:hiddenLine xmlns="" xmlns:a14="http://schemas.microsoft.com/office/drawing/2010/main" w="9525">
                     <a:solidFill>
                       <a:srgbClr val="000000"/>
                     </a:solidFill>
@@ -11729,7 +11731,7 @@
               </a:ln>
               <a:extLst>
                 <a:ext uri="{91240B29-F687-4f45-9708-019B960494DF}">
-                  <a14:hiddenLine xmlns:a14="http://schemas.microsoft.com/office/drawing/2010/main" xmlns="" w="9525">
+                  <a14:hiddenLine xmlns="" xmlns:a14="http://schemas.microsoft.com/office/drawing/2010/main" w="9525">
                     <a:solidFill>
                       <a:srgbClr val="000000"/>
                     </a:solidFill>
@@ -11819,7 +11821,7 @@
               </a:ln>
               <a:extLst>
                 <a:ext uri="{91240B29-F687-4f45-9708-019B960494DF}">
-                  <a14:hiddenLine xmlns:a14="http://schemas.microsoft.com/office/drawing/2010/main" xmlns="" w="9525">
+                  <a14:hiddenLine xmlns="" xmlns:a14="http://schemas.microsoft.com/office/drawing/2010/main" w="9525">
                     <a:solidFill>
                       <a:srgbClr val="000000"/>
                     </a:solidFill>
@@ -11881,7 +11883,7 @@
               </a:ln>
               <a:extLst>
                 <a:ext uri="{91240B29-F687-4f45-9708-019B960494DF}">
-                  <a14:hiddenLine xmlns:a14="http://schemas.microsoft.com/office/drawing/2010/main" xmlns="" w="9525">
+                  <a14:hiddenLine xmlns="" xmlns:a14="http://schemas.microsoft.com/office/drawing/2010/main" w="9525">
                     <a:solidFill>
                       <a:srgbClr val="000000"/>
                     </a:solidFill>
@@ -11943,7 +11945,7 @@
               </a:ln>
               <a:extLst>
                 <a:ext uri="{91240B29-F687-4f45-9708-019B960494DF}">
-                  <a14:hiddenLine xmlns:a14="http://schemas.microsoft.com/office/drawing/2010/main" xmlns="" w="9525">
+                  <a14:hiddenLine xmlns="" xmlns:a14="http://schemas.microsoft.com/office/drawing/2010/main" w="9525">
                     <a:solidFill>
                       <a:srgbClr val="000000"/>
                     </a:solidFill>
@@ -12033,7 +12035,7 @@
               </a:ln>
               <a:extLst>
                 <a:ext uri="{91240B29-F687-4f45-9708-019B960494DF}">
-                  <a14:hiddenLine xmlns:a14="http://schemas.microsoft.com/office/drawing/2010/main" xmlns="" w="9525">
+                  <a14:hiddenLine xmlns="" xmlns:a14="http://schemas.microsoft.com/office/drawing/2010/main" w="9525">
                     <a:solidFill>
                       <a:srgbClr val="000000"/>
                     </a:solidFill>
@@ -12123,7 +12125,7 @@
               </a:ln>
               <a:extLst>
                 <a:ext uri="{91240B29-F687-4f45-9708-019B960494DF}">
-                  <a14:hiddenLine xmlns:a14="http://schemas.microsoft.com/office/drawing/2010/main" xmlns="" w="9525">
+                  <a14:hiddenLine xmlns="" xmlns:a14="http://schemas.microsoft.com/office/drawing/2010/main" w="9525">
                     <a:solidFill>
                       <a:srgbClr val="000000"/>
                     </a:solidFill>
@@ -12185,7 +12187,7 @@
               </a:ln>
               <a:extLst>
                 <a:ext uri="{91240B29-F687-4f45-9708-019B960494DF}">
-                  <a14:hiddenLine xmlns:a14="http://schemas.microsoft.com/office/drawing/2010/main" xmlns="" w="9525">
+                  <a14:hiddenLine xmlns="" xmlns:a14="http://schemas.microsoft.com/office/drawing/2010/main" w="9525">
                     <a:solidFill>
                       <a:srgbClr val="000000"/>
                     </a:solidFill>
@@ -12295,7 +12297,7 @@
               </a:ln>
               <a:extLst>
                 <a:ext uri="{91240B29-F687-4f45-9708-019B960494DF}">
-                  <a14:hiddenLine xmlns:a14="http://schemas.microsoft.com/office/drawing/2010/main" xmlns="" w="9525">
+                  <a14:hiddenLine xmlns="" xmlns:a14="http://schemas.microsoft.com/office/drawing/2010/main" w="9525">
                     <a:solidFill>
                       <a:srgbClr val="000000"/>
                     </a:solidFill>
@@ -12379,7 +12381,7 @@
               </a:ln>
               <a:extLst>
                 <a:ext uri="{91240B29-F687-4f45-9708-019B960494DF}">
-                  <a14:hiddenLine xmlns:a14="http://schemas.microsoft.com/office/drawing/2010/main" xmlns="" w="9525">
+                  <a14:hiddenLine xmlns="" xmlns:a14="http://schemas.microsoft.com/office/drawing/2010/main" w="9525">
                     <a:solidFill>
                       <a:srgbClr val="000000"/>
                     </a:solidFill>
@@ -12441,7 +12443,7 @@
               </a:ln>
               <a:extLst>
                 <a:ext uri="{91240B29-F687-4f45-9708-019B960494DF}">
-                  <a14:hiddenLine xmlns:a14="http://schemas.microsoft.com/office/drawing/2010/main" xmlns="" w="9525">
+                  <a14:hiddenLine xmlns="" xmlns:a14="http://schemas.microsoft.com/office/drawing/2010/main" w="9525">
                     <a:solidFill>
                       <a:srgbClr val="000000"/>
                     </a:solidFill>
@@ -12503,7 +12505,7 @@
               </a:ln>
               <a:extLst>
                 <a:ext uri="{91240B29-F687-4f45-9708-019B960494DF}">
-                  <a14:hiddenLine xmlns:a14="http://schemas.microsoft.com/office/drawing/2010/main" xmlns="" w="9525">
+                  <a14:hiddenLine xmlns="" xmlns:a14="http://schemas.microsoft.com/office/drawing/2010/main" w="9525">
                     <a:solidFill>
                       <a:srgbClr val="000000"/>
                     </a:solidFill>
@@ -12593,7 +12595,7 @@
               </a:ln>
               <a:extLst>
                 <a:ext uri="{91240B29-F687-4f45-9708-019B960494DF}">
-                  <a14:hiddenLine xmlns:a14="http://schemas.microsoft.com/office/drawing/2010/main" xmlns="" w="9525">
+                  <a14:hiddenLine xmlns="" xmlns:a14="http://schemas.microsoft.com/office/drawing/2010/main" w="9525">
                     <a:solidFill>
                       <a:srgbClr val="000000"/>
                     </a:solidFill>
@@ -12627,7 +12629,7 @@
               </a:ln>
               <a:extLst>
                 <a:ext uri="{91240B29-F687-4f45-9708-019B960494DF}">
-                  <a14:hiddenLine xmlns:a14="http://schemas.microsoft.com/office/drawing/2010/main" xmlns="" w="9525">
+                  <a14:hiddenLine xmlns="" xmlns:a14="http://schemas.microsoft.com/office/drawing/2010/main" w="9525">
                     <a:solidFill>
                       <a:srgbClr val="000000"/>
                     </a:solidFill>
@@ -12692,7 +12694,7 @@
               </a:ln>
               <a:extLst>
                 <a:ext uri="{91240B29-F687-4f45-9708-019B960494DF}">
-                  <a14:hiddenLine xmlns:a14="http://schemas.microsoft.com/office/drawing/2010/main" xmlns="" w="9525">
+                  <a14:hiddenLine xmlns="" xmlns:a14="http://schemas.microsoft.com/office/drawing/2010/main" w="9525">
                     <a:solidFill>
                       <a:srgbClr val="000000"/>
                     </a:solidFill>
@@ -12782,7 +12784,7 @@
               </a:ln>
               <a:extLst>
                 <a:ext uri="{91240B29-F687-4f45-9708-019B960494DF}">
-                  <a14:hiddenLine xmlns:a14="http://schemas.microsoft.com/office/drawing/2010/main" xmlns="" w="9525">
+                  <a14:hiddenLine xmlns="" xmlns:a14="http://schemas.microsoft.com/office/drawing/2010/main" w="9525">
                     <a:solidFill>
                       <a:srgbClr val="000000"/>
                     </a:solidFill>
@@ -12844,7 +12846,7 @@
               </a:ln>
               <a:extLst>
                 <a:ext uri="{91240B29-F687-4f45-9708-019B960494DF}">
-                  <a14:hiddenLine xmlns:a14="http://schemas.microsoft.com/office/drawing/2010/main" xmlns="" w="9525">
+                  <a14:hiddenLine xmlns="" xmlns:a14="http://schemas.microsoft.com/office/drawing/2010/main" w="9525">
                     <a:solidFill>
                       <a:srgbClr val="000000"/>
                     </a:solidFill>
@@ -12934,7 +12936,7 @@
               </a:ln>
               <a:extLst>
                 <a:ext uri="{91240B29-F687-4f45-9708-019B960494DF}">
-                  <a14:hiddenLine xmlns:a14="http://schemas.microsoft.com/office/drawing/2010/main" xmlns="" w="9525">
+                  <a14:hiddenLine xmlns="" xmlns:a14="http://schemas.microsoft.com/office/drawing/2010/main" w="9525">
                     <a:solidFill>
                       <a:srgbClr val="000000"/>
                     </a:solidFill>
@@ -12999,7 +13001,7 @@
               </a:ln>
               <a:extLst>
                 <a:ext uri="{91240B29-F687-4f45-9708-019B960494DF}">
-                  <a14:hiddenLine xmlns:a14="http://schemas.microsoft.com/office/drawing/2010/main" xmlns="" w="9525">
+                  <a14:hiddenLine xmlns="" xmlns:a14="http://schemas.microsoft.com/office/drawing/2010/main" w="9525">
                     <a:solidFill>
                       <a:srgbClr val="000000"/>
                     </a:solidFill>
@@ -13061,7 +13063,7 @@
               </a:ln>
               <a:extLst>
                 <a:ext uri="{91240B29-F687-4f45-9708-019B960494DF}">
-                  <a14:hiddenLine xmlns:a14="http://schemas.microsoft.com/office/drawing/2010/main" xmlns="" w="9525">
+                  <a14:hiddenLine xmlns="" xmlns:a14="http://schemas.microsoft.com/office/drawing/2010/main" w="9525">
                     <a:solidFill>
                       <a:srgbClr val="000000"/>
                     </a:solidFill>
@@ -13151,7 +13153,7 @@
               </a:ln>
               <a:extLst>
                 <a:ext uri="{91240B29-F687-4f45-9708-019B960494DF}">
-                  <a14:hiddenLine xmlns:a14="http://schemas.microsoft.com/office/drawing/2010/main" xmlns="" w="9525">
+                  <a14:hiddenLine xmlns="" xmlns:a14="http://schemas.microsoft.com/office/drawing/2010/main" w="9525">
                     <a:solidFill>
                       <a:srgbClr val="000000"/>
                     </a:solidFill>
@@ -13241,7 +13243,7 @@
               </a:ln>
               <a:extLst>
                 <a:ext uri="{91240B29-F687-4f45-9708-019B960494DF}">
-                  <a14:hiddenLine xmlns:a14="http://schemas.microsoft.com/office/drawing/2010/main" xmlns="" w="9525">
+                  <a14:hiddenLine xmlns="" xmlns:a14="http://schemas.microsoft.com/office/drawing/2010/main" w="9525">
                     <a:solidFill>
                       <a:srgbClr val="000000"/>
                     </a:solidFill>
@@ -13306,7 +13308,7 @@
               </a:ln>
               <a:extLst>
                 <a:ext uri="{91240B29-F687-4f45-9708-019B960494DF}">
-                  <a14:hiddenLine xmlns:a14="http://schemas.microsoft.com/office/drawing/2010/main" xmlns="" w="9525">
+                  <a14:hiddenLine xmlns="" xmlns:a14="http://schemas.microsoft.com/office/drawing/2010/main" w="9525">
                     <a:solidFill>
                       <a:srgbClr val="000000"/>
                     </a:solidFill>
@@ -13426,7 +13428,7 @@
               </a:ln>
               <a:extLst>
                 <a:ext uri="{91240B29-F687-4f45-9708-019B960494DF}">
-                  <a14:hiddenLine xmlns:a14="http://schemas.microsoft.com/office/drawing/2010/main" xmlns="" w="9525">
+                  <a14:hiddenLine xmlns="" xmlns:a14="http://schemas.microsoft.com/office/drawing/2010/main" w="9525">
                     <a:solidFill>
                       <a:srgbClr val="000000"/>
                     </a:solidFill>
@@ -13507,7 +13509,7 @@
               </a:ln>
               <a:extLst>
                 <a:ext uri="{91240B29-F687-4f45-9708-019B960494DF}">
-                  <a14:hiddenLine xmlns:a14="http://schemas.microsoft.com/office/drawing/2010/main" xmlns="" w="9525">
+                  <a14:hiddenLine xmlns="" xmlns:a14="http://schemas.microsoft.com/office/drawing/2010/main" w="9525">
                     <a:solidFill>
                       <a:srgbClr val="000000"/>
                     </a:solidFill>
@@ -13622,7 +13624,7 @@
               </a:ln>
               <a:extLst>
                 <a:ext uri="{91240B29-F687-4f45-9708-019B960494DF}">
-                  <a14:hiddenLine xmlns:a14="http://schemas.microsoft.com/office/drawing/2010/main" xmlns="" w="9525">
+                  <a14:hiddenLine xmlns="" xmlns:a14="http://schemas.microsoft.com/office/drawing/2010/main" w="9525">
                     <a:solidFill>
                       <a:srgbClr val="000000"/>
                     </a:solidFill>
@@ -13712,7 +13714,7 @@
               </a:ln>
               <a:extLst>
                 <a:ext uri="{91240B29-F687-4f45-9708-019B960494DF}">
-                  <a14:hiddenLine xmlns:a14="http://schemas.microsoft.com/office/drawing/2010/main" xmlns="" w="9525">
+                  <a14:hiddenLine xmlns="" xmlns:a14="http://schemas.microsoft.com/office/drawing/2010/main" w="9525">
                     <a:solidFill>
                       <a:srgbClr val="000000"/>
                     </a:solidFill>
@@ -13777,7 +13779,7 @@
               </a:ln>
               <a:extLst>
                 <a:ext uri="{91240B29-F687-4f45-9708-019B960494DF}">
-                  <a14:hiddenLine xmlns:a14="http://schemas.microsoft.com/office/drawing/2010/main" xmlns="" w="9525">
+                  <a14:hiddenLine xmlns="" xmlns:a14="http://schemas.microsoft.com/office/drawing/2010/main" w="9525">
                     <a:solidFill>
                       <a:srgbClr val="000000"/>
                     </a:solidFill>
@@ -13867,7 +13869,7 @@
               </a:ln>
               <a:extLst>
                 <a:ext uri="{91240B29-F687-4f45-9708-019B960494DF}">
-                  <a14:hiddenLine xmlns:a14="http://schemas.microsoft.com/office/drawing/2010/main" xmlns="" w="9525">
+                  <a14:hiddenLine xmlns="" xmlns:a14="http://schemas.microsoft.com/office/drawing/2010/main" w="9525">
                     <a:solidFill>
                       <a:srgbClr val="000000"/>
                     </a:solidFill>
@@ -13935,7 +13937,7 @@
               </a:ln>
               <a:extLst>
                 <a:ext uri="{91240B29-F687-4f45-9708-019B960494DF}">
-                  <a14:hiddenLine xmlns:a14="http://schemas.microsoft.com/office/drawing/2010/main" xmlns="" w="9525">
+                  <a14:hiddenLine xmlns="" xmlns:a14="http://schemas.microsoft.com/office/drawing/2010/main" w="9525">
                     <a:solidFill>
                       <a:srgbClr val="000000"/>
                     </a:solidFill>
@@ -14025,7 +14027,7 @@
               </a:ln>
               <a:extLst>
                 <a:ext uri="{91240B29-F687-4f45-9708-019B960494DF}">
-                  <a14:hiddenLine xmlns:a14="http://schemas.microsoft.com/office/drawing/2010/main" xmlns="" w="9525">
+                  <a14:hiddenLine xmlns="" xmlns:a14="http://schemas.microsoft.com/office/drawing/2010/main" w="9525">
                     <a:solidFill>
                       <a:srgbClr val="000000"/>
                     </a:solidFill>
@@ -14093,7 +14095,7 @@
               </a:ln>
               <a:extLst>
                 <a:ext uri="{91240B29-F687-4f45-9708-019B960494DF}">
-                  <a14:hiddenLine xmlns:a14="http://schemas.microsoft.com/office/drawing/2010/main" xmlns="" w="9525">
+                  <a14:hiddenLine xmlns="" xmlns:a14="http://schemas.microsoft.com/office/drawing/2010/main" w="9525">
                     <a:solidFill>
                       <a:srgbClr val="000000"/>
                     </a:solidFill>
@@ -14183,7 +14185,7 @@
               </a:ln>
               <a:extLst>
                 <a:ext uri="{91240B29-F687-4f45-9708-019B960494DF}">
-                  <a14:hiddenLine xmlns:a14="http://schemas.microsoft.com/office/drawing/2010/main" xmlns="" w="9525">
+                  <a14:hiddenLine xmlns="" xmlns:a14="http://schemas.microsoft.com/office/drawing/2010/main" w="9525">
                     <a:solidFill>
                       <a:srgbClr val="000000"/>
                     </a:solidFill>
@@ -14217,7 +14219,7 @@
               </a:ln>
               <a:extLst>
                 <a:ext uri="{91240B29-F687-4f45-9708-019B960494DF}">
-                  <a14:hiddenLine xmlns:a14="http://schemas.microsoft.com/office/drawing/2010/main" xmlns="" w="9525">
+                  <a14:hiddenLine xmlns="" xmlns:a14="http://schemas.microsoft.com/office/drawing/2010/main" w="9525">
                     <a:solidFill>
                       <a:srgbClr val="000000"/>
                     </a:solidFill>
@@ -14357,7 +14359,7 @@
           <a:p>
             <a:fld id="{99CA241C-74EB-4EA5-BF9F-19FE0857909F}" type="datetimeFigureOut">
               <a:rPr lang="en-US" smtClean="0"/>
-              <a:t>11/3/2017</a:t>
+              <a:t>11/3/17</a:t>
             </a:fld>
             <a:endParaRPr lang="en-US"/>
           </a:p>
@@ -14782,7 +14784,7 @@
           <p:cNvPr id="4" name="Title 3">
             <a:extLst>
               <a:ext uri="{FF2B5EF4-FFF2-40B4-BE49-F238E27FC236}">
-                <a16:creationId xmlns:a16="http://schemas.microsoft.com/office/drawing/2014/main" id="{6AB53A9D-ED8F-48D1-AC5E-5BBE32DD5D15}"/>
+                <a16:creationId xmlns:a16="http://schemas.microsoft.com/office/drawing/2014/main" xmlns="" id="{6AB53A9D-ED8F-48D1-AC5E-5BBE32DD5D15}"/>
               </a:ext>
             </a:extLst>
           </p:cNvPr>
@@ -14813,6 +14815,10 @@
               </a:rPr>
               <a:t>Data Programming in R</a:t>
             </a:r>
+            <a:r>
+              <a:rPr lang="en-US" sz="4000" dirty="0"/>
+              <a:t/>
+            </a:r>
             <a:br>
               <a:rPr lang="en-US" sz="4000" dirty="0"/>
             </a:br>
@@ -14822,6 +14828,13 @@
                 <a:cs typeface="Arial" panose="020B0604020202020204" pitchFamily="34" charset="0"/>
               </a:rPr>
               <a:t>Group Project</a:t>
+            </a:r>
+            <a:r>
+              <a:rPr lang="en-US" dirty="0">
+                <a:latin typeface="Arial" panose="020B0604020202020204" pitchFamily="34" charset="0"/>
+                <a:cs typeface="Arial" panose="020B0604020202020204" pitchFamily="34" charset="0"/>
+              </a:rPr>
+              <a:t/>
             </a:r>
             <a:br>
               <a:rPr lang="en-US" dirty="0">
@@ -14829,6 +14842,10 @@
                 <a:cs typeface="Arial" panose="020B0604020202020204" pitchFamily="34" charset="0"/>
               </a:rPr>
             </a:br>
+            <a:r>
+              <a:rPr lang="en-US" dirty="0"/>
+              <a:t/>
+            </a:r>
             <a:br>
               <a:rPr lang="en-US" dirty="0"/>
             </a:br>
@@ -14841,7 +14858,7 @@
           <p:cNvPr id="5" name="Subtitle 4">
             <a:extLst>
               <a:ext uri="{FF2B5EF4-FFF2-40B4-BE49-F238E27FC236}">
-                <a16:creationId xmlns:a16="http://schemas.microsoft.com/office/drawing/2014/main" id="{4EACD1AB-038A-4D34-9955-88F74E9A23C0}"/>
+                <a16:creationId xmlns:a16="http://schemas.microsoft.com/office/drawing/2014/main" xmlns="" id="{4EACD1AB-038A-4D34-9955-88F74E9A23C0}"/>
               </a:ext>
             </a:extLst>
           </p:cNvPr>
@@ -14988,7 +15005,7 @@
           <p:cNvPr id="2" name="Title 1">
             <a:extLst>
               <a:ext uri="{FF2B5EF4-FFF2-40B4-BE49-F238E27FC236}">
-                <a16:creationId xmlns:a16="http://schemas.microsoft.com/office/drawing/2014/main" id="{EBC03A22-2FAB-4E23-879E-9D04C14E1F20}"/>
+                <a16:creationId xmlns="" xmlns:a16="http://schemas.microsoft.com/office/drawing/2014/main" id="{EBC03A22-2FAB-4E23-879E-9D04C14E1F20}"/>
               </a:ext>
             </a:extLst>
           </p:cNvPr>
@@ -15001,115 +15018,44 @@
         </p:nvSpPr>
         <p:spPr>
           <a:xfrm>
-            <a:off x="1083733" y="702903"/>
-            <a:ext cx="10430934" cy="826647"/>
+            <a:off x="8066049" y="1407898"/>
+            <a:ext cx="4125951" cy="1219200"/>
           </a:xfrm>
         </p:spPr>
         <p:txBody>
-          <a:bodyPr>
-            <a:normAutofit fontScale="90000"/>
-          </a:bodyPr>
+          <a:bodyPr/>
           <a:lstStyle/>
           <a:p>
-            <a:br>
-              <a:rPr lang="en-US" sz="2700" dirty="0"/>
-            </a:br>
-            <a:br>
-              <a:rPr lang="en-US" sz="2700" dirty="0"/>
-            </a:br>
-            <a:r>
-              <a:rPr lang="en-US" sz="2700" dirty="0"/>
-              <a:t>      </a:t>
-            </a:r>
-            <a:br>
+            <a:r>
               <a:rPr lang="en-US" dirty="0"/>
-            </a:br>
+              <a:t>Default </a:t>
+            </a:r>
+            <a:r>
+              <a:rPr lang="en-US" dirty="0" smtClean="0"/>
+              <a:t>Rates</a:t>
+            </a:r>
+            <a:r>
+              <a:rPr lang="en-US" dirty="0"/>
+              <a:t> </a:t>
+            </a:r>
+            <a:r>
+              <a:rPr lang="en-US" dirty="0" smtClean="0"/>
+              <a:t>(%)</a:t>
+            </a:r>
             <a:endParaRPr lang="en-US" dirty="0"/>
-          </a:p>
-        </p:txBody>
-      </p:sp>
-      <p:sp>
-        <p:nvSpPr>
-          <p:cNvPr id="4" name="TextBox 3"/>
-          <p:cNvSpPr txBox="1"/>
-          <p:nvPr/>
-        </p:nvSpPr>
-        <p:spPr>
-          <a:xfrm>
-            <a:off x="3342807" y="3327816"/>
-            <a:ext cx="184731" cy="369332"/>
-          </a:xfrm>
-          <a:prstGeom prst="rect">
-            <a:avLst/>
-          </a:prstGeom>
-          <a:noFill/>
-        </p:spPr>
-        <p:txBody>
-          <a:bodyPr wrap="none" rtlCol="0">
-            <a:spAutoFit/>
-          </a:bodyPr>
-          <a:lstStyle/>
-          <a:p>
-            <a:endParaRPr lang="en-US" dirty="0"/>
-          </a:p>
-        </p:txBody>
-      </p:sp>
-      <p:sp>
-        <p:nvSpPr>
-          <p:cNvPr id="5" name="TextBox 4">
-            <a:extLst>
-              <a:ext uri="{FF2B5EF4-FFF2-40B4-BE49-F238E27FC236}">
-                <a16:creationId xmlns:a16="http://schemas.microsoft.com/office/drawing/2014/main" id="{CC235E17-29A0-4298-91FC-46D4D883AB7C}"/>
-              </a:ext>
-            </a:extLst>
-          </p:cNvPr>
-          <p:cNvSpPr txBox="1"/>
-          <p:nvPr/>
-        </p:nvSpPr>
-        <p:spPr>
-          <a:xfrm>
-            <a:off x="1337733" y="169333"/>
-            <a:ext cx="9922934" cy="523220"/>
-          </a:xfrm>
-          <a:prstGeom prst="rect">
-            <a:avLst/>
-          </a:prstGeom>
-          <a:noFill/>
-        </p:spPr>
-        <p:txBody>
-          <a:bodyPr wrap="square" rtlCol="0">
-            <a:spAutoFit/>
-          </a:bodyPr>
-          <a:lstStyle/>
-          <a:p>
-            <a:r>
-              <a:rPr lang="en-US" sz="2800" dirty="0">
-                <a:latin typeface="Arial" panose="020B0604020202020204" pitchFamily="34" charset="0"/>
-                <a:cs typeface="Arial" panose="020B0604020202020204" pitchFamily="34" charset="0"/>
-              </a:rPr>
-              <a:t>  Analysis 1 &lt;- Influence of cost of attendance on default rate</a:t>
-            </a:r>
           </a:p>
         </p:txBody>
       </p:sp>
       <p:pic>
         <p:nvPicPr>
-          <p:cNvPr id="9" name="Content Placeholder 3">
-            <a:extLst>
-              <a:ext uri="{FF2B5EF4-FFF2-40B4-BE49-F238E27FC236}">
-                <a16:creationId xmlns:a16="http://schemas.microsoft.com/office/drawing/2014/main" id="{D45078FE-7AB3-479B-9CA5-2B50A31DA08E}"/>
-              </a:ext>
-            </a:extLst>
-          </p:cNvPr>
+          <p:cNvPr id="6" name="Content Placeholder 7"/>
           <p:cNvPicPr>
-            <a:picLocks noGrp="1" noChangeAspect="1"/>
+            <a:picLocks noChangeAspect="1"/>
           </p:cNvPicPr>
-          <p:nvPr>
-            <p:ph idx="1"/>
-          </p:nvPr>
+          <p:nvPr/>
         </p:nvPicPr>
         <p:blipFill>
-          <a:blip r:embed="rId3">
+          <a:blip r:embed="rId3" cstate="print">
             <a:extLst>
               <a:ext uri="{28A0092B-C50C-407E-A947-70E740481C1C}">
                 <a14:useLocalDpi xmlns:a14="http://schemas.microsoft.com/office/drawing/2010/main" val="0"/>
@@ -15122,27 +15068,24 @@
         </p:blipFill>
         <p:spPr>
           <a:xfrm>
-            <a:off x="18696" y="624905"/>
-            <a:ext cx="6832951" cy="3111660"/>
+            <a:off x="320138" y="887104"/>
+            <a:ext cx="7676278" cy="2634017"/>
           </a:xfrm>
+          <a:prstGeom prst="rect">
+            <a:avLst/>
+          </a:prstGeom>
         </p:spPr>
       </p:pic>
       <p:pic>
         <p:nvPicPr>
-          <p:cNvPr id="10" name="Picture 9">
-            <a:extLst>
-              <a:ext uri="{FF2B5EF4-FFF2-40B4-BE49-F238E27FC236}">
-                <a16:creationId xmlns:a16="http://schemas.microsoft.com/office/drawing/2014/main" id="{C3758AB8-58E1-47A0-8A74-621CFDB7D171}"/>
-              </a:ext>
-            </a:extLst>
-          </p:cNvPr>
+          <p:cNvPr id="8" name="Picture 7"/>
           <p:cNvPicPr>
             <a:picLocks noChangeAspect="1"/>
           </p:cNvPicPr>
           <p:nvPr/>
         </p:nvPicPr>
         <p:blipFill>
-          <a:blip r:embed="rId4">
+          <a:blip r:embed="rId4" cstate="print">
             <a:extLst>
               <a:ext uri="{28A0092B-C50C-407E-A947-70E740481C1C}">
                 <a14:useLocalDpi xmlns:a14="http://schemas.microsoft.com/office/drawing/2010/main" val="0"/>
@@ -15155,8 +15098,8 @@
         </p:blipFill>
         <p:spPr>
           <a:xfrm>
-            <a:off x="5350934" y="3697148"/>
-            <a:ext cx="6664141" cy="3145164"/>
+            <a:off x="352934" y="3862315"/>
+            <a:ext cx="7679469" cy="2765241"/>
           </a:xfrm>
           <a:prstGeom prst="rect">
             <a:avLst/>
@@ -15165,46 +15108,88 @@
       </p:pic>
       <p:sp>
         <p:nvSpPr>
-          <p:cNvPr id="11" name="TextBox 10">
+          <p:cNvPr id="9" name="Title 1">
             <a:extLst>
               <a:ext uri="{FF2B5EF4-FFF2-40B4-BE49-F238E27FC236}">
-                <a16:creationId xmlns:a16="http://schemas.microsoft.com/office/drawing/2014/main" id="{2E94F67E-9F9F-4EEF-A396-D3A97AF6978A}"/>
+                <a16:creationId xmlns="" xmlns:a16="http://schemas.microsoft.com/office/drawing/2014/main" id="{EBC03A22-2FAB-4E23-879E-9D04C14E1F20}"/>
               </a:ext>
             </a:extLst>
           </p:cNvPr>
-          <p:cNvSpPr txBox="1"/>
+          <p:cNvSpPr txBox="1">
+            <a:spLocks/>
+          </p:cNvSpPr>
           <p:nvPr/>
         </p:nvSpPr>
         <p:spPr>
           <a:xfrm>
-            <a:off x="6851647" y="2336931"/>
-            <a:ext cx="5163428" cy="523220"/>
+            <a:off x="8066049" y="4139724"/>
+            <a:ext cx="4125951" cy="1219200"/>
           </a:xfrm>
           <a:prstGeom prst="rect">
             <a:avLst/>
           </a:prstGeom>
-          <a:noFill/>
         </p:spPr>
         <p:txBody>
-          <a:bodyPr wrap="square" rtlCol="0">
-            <a:spAutoFit/>
+          <a:bodyPr vert="horz" lIns="91440" tIns="45720" rIns="91440" bIns="45720" rtlCol="0" anchor="ctr">
+            <a:normAutofit/>
           </a:bodyPr>
           <a:lstStyle/>
           <a:p>
-            <a:r>
-              <a:rPr lang="en-US" sz="2800" dirty="0">
-                <a:latin typeface="Arial" panose="020B0604020202020204" pitchFamily="34" charset="0"/>
-                <a:cs typeface="Arial" panose="020B0604020202020204" pitchFamily="34" charset="0"/>
+            <a:pPr marL="0" marR="0" lvl="0" indent="0" algn="l" defTabSz="914400" rtl="0" eaLnBrk="1" fontAlgn="auto" latinLnBrk="0" hangingPunct="1">
+              <a:lnSpc>
+                <a:spcPct val="90000"/>
+              </a:lnSpc>
+              <a:spcBef>
+                <a:spcPct val="0"/>
+              </a:spcBef>
+              <a:spcAft>
+                <a:spcPts val="0"/>
+              </a:spcAft>
+              <a:buClrTx/>
+              <a:buSzTx/>
+              <a:buFontTx/>
+              <a:buNone/>
+              <a:tabLst/>
+              <a:defRPr/>
+            </a:pPr>
+            <a:r>
+              <a:rPr kumimoji="0" lang="en-US" sz="3600" b="0" i="0" u="none" strike="noStrike" kern="1200" cap="all" spc="0" normalizeH="0" baseline="0" noProof="0" dirty="0" smtClean="0">
+                <a:ln>
+                  <a:noFill/>
+                </a:ln>
+                <a:solidFill>
+                  <a:schemeClr val="tx1"/>
+                </a:solidFill>
+                <a:effectLst/>
+                <a:uLnTx/>
+                <a:uFillTx/>
+                <a:latin typeface="+mj-lt"/>
+                <a:ea typeface="+mj-ea"/>
+                <a:cs typeface="+mj-cs"/>
               </a:rPr>
-              <a:t>Default Rates Summary Tables</a:t>
-            </a:r>
+              <a:t>Default Rates (Rank order )</a:t>
+            </a:r>
+            <a:endParaRPr kumimoji="0" lang="en-US" sz="3600" b="0" i="0" u="none" strike="noStrike" kern="1200" cap="all" spc="0" normalizeH="0" baseline="0" noProof="0" dirty="0">
+              <a:ln>
+                <a:noFill/>
+              </a:ln>
+              <a:solidFill>
+                <a:schemeClr val="tx1"/>
+              </a:solidFill>
+              <a:effectLst/>
+              <a:uLnTx/>
+              <a:uFillTx/>
+              <a:latin typeface="+mj-lt"/>
+              <a:ea typeface="+mj-ea"/>
+              <a:cs typeface="+mj-cs"/>
+            </a:endParaRPr>
           </a:p>
         </p:txBody>
       </p:sp>
     </p:spTree>
     <p:extLst>
       <p:ext uri="{BB962C8B-B14F-4D97-AF65-F5344CB8AC3E}">
-        <p14:creationId xmlns:p14="http://schemas.microsoft.com/office/powerpoint/2010/main" val="640803518"/>
+        <p14:creationId xmlns:p14="http://schemas.microsoft.com/office/powerpoint/2010/main" val="39901130"/>
       </p:ext>
     </p:extLst>
   </p:cSld>
@@ -15236,7 +15221,7 @@
           <p:cNvPr id="4" name="Content Placeholder 2">
             <a:extLst>
               <a:ext uri="{FF2B5EF4-FFF2-40B4-BE49-F238E27FC236}">
-                <a16:creationId xmlns:a16="http://schemas.microsoft.com/office/drawing/2014/main" id="{C5CD1C30-8048-465A-AAB8-9BD777D62240}"/>
+                <a16:creationId xmlns:a16="http://schemas.microsoft.com/office/drawing/2014/main" xmlns="" id="{C5CD1C30-8048-465A-AAB8-9BD777D62240}"/>
               </a:ext>
             </a:extLst>
           </p:cNvPr>
@@ -15445,7 +15430,7 @@
           <p:cNvPr id="8" name="Content Placeholder 2">
             <a:extLst>
               <a:ext uri="{FF2B5EF4-FFF2-40B4-BE49-F238E27FC236}">
-                <a16:creationId xmlns:a16="http://schemas.microsoft.com/office/drawing/2014/main" id="{C5CD1C30-8048-465A-AAB8-9BD777D62240}"/>
+                <a16:creationId xmlns:a16="http://schemas.microsoft.com/office/drawing/2014/main" xmlns="" id="{C5CD1C30-8048-465A-AAB8-9BD777D62240}"/>
               </a:ext>
             </a:extLst>
           </p:cNvPr>
@@ -15604,7 +15589,7 @@
           <p:cNvPr id="3" name="TextBox 2">
             <a:extLst>
               <a:ext uri="{FF2B5EF4-FFF2-40B4-BE49-F238E27FC236}">
-                <a16:creationId xmlns:a16="http://schemas.microsoft.com/office/drawing/2014/main" id="{5DA8DF66-4834-44B6-9E1D-D1ECEAADDD93}"/>
+                <a16:creationId xmlns:a16="http://schemas.microsoft.com/office/drawing/2014/main" xmlns="" id="{5DA8DF66-4834-44B6-9E1D-D1ECEAADDD93}"/>
               </a:ext>
             </a:extLst>
           </p:cNvPr>
@@ -15673,7 +15658,7 @@
           <p:cNvPr id="4" name="Content Placeholder 2">
             <a:extLst>
               <a:ext uri="{FF2B5EF4-FFF2-40B4-BE49-F238E27FC236}">
-                <a16:creationId xmlns:a16="http://schemas.microsoft.com/office/drawing/2014/main" id="{C5CD1C30-8048-465A-AAB8-9BD777D62240}"/>
+                <a16:creationId xmlns:a16="http://schemas.microsoft.com/office/drawing/2014/main" xmlns="" id="{C5CD1C30-8048-465A-AAB8-9BD777D62240}"/>
               </a:ext>
             </a:extLst>
           </p:cNvPr>
@@ -16200,7 +16185,7 @@
           <p:cNvPr id="13" name="Rectangle 12">
             <a:extLst>
               <a:ext uri="{FF2B5EF4-FFF2-40B4-BE49-F238E27FC236}">
-                <a16:creationId xmlns:a16="http://schemas.microsoft.com/office/drawing/2014/main" id="{D9848DE4-F9BB-473D-BA97-50CD1EDA4172}"/>
+                <a16:creationId xmlns:a16="http://schemas.microsoft.com/office/drawing/2014/main" xmlns="" id="{D9848DE4-F9BB-473D-BA97-50CD1EDA4172}"/>
               </a:ext>
             </a:extLst>
           </p:cNvPr>
@@ -16468,7 +16453,7 @@
           <p:cNvPr id="5" name="TextBox 4">
             <a:extLst>
               <a:ext uri="{FF2B5EF4-FFF2-40B4-BE49-F238E27FC236}">
-                <a16:creationId xmlns:a16="http://schemas.microsoft.com/office/drawing/2014/main" id="{8A4BBDDE-BE3D-47CF-ADF1-E9D632ABA397}"/>
+                <a16:creationId xmlns:a16="http://schemas.microsoft.com/office/drawing/2014/main" xmlns="" id="{8A4BBDDE-BE3D-47CF-ADF1-E9D632ABA397}"/>
               </a:ext>
             </a:extLst>
           </p:cNvPr>
@@ -16537,7 +16522,7 @@
           <p:cNvPr id="3" name="Content Placeholder 2">
             <a:extLst>
               <a:ext uri="{FF2B5EF4-FFF2-40B4-BE49-F238E27FC236}">
-                <a16:creationId xmlns:a16="http://schemas.microsoft.com/office/drawing/2014/main" id="{C5CD1C30-8048-465A-AAB8-9BD777D62240}"/>
+                <a16:creationId xmlns:a16="http://schemas.microsoft.com/office/drawing/2014/main" xmlns="" id="{C5CD1C30-8048-465A-AAB8-9BD777D62240}"/>
               </a:ext>
             </a:extLst>
           </p:cNvPr>
@@ -16657,7 +16642,7 @@
           <p:cNvPr id="6" name="TextBox 5">
             <a:extLst>
               <a:ext uri="{FF2B5EF4-FFF2-40B4-BE49-F238E27FC236}">
-                <a16:creationId xmlns:a16="http://schemas.microsoft.com/office/drawing/2014/main" id="{0559C2CF-C13A-46A2-A791-A763AF06F060}"/>
+                <a16:creationId xmlns:a16="http://schemas.microsoft.com/office/drawing/2014/main" xmlns="" id="{0559C2CF-C13A-46A2-A791-A763AF06F060}"/>
               </a:ext>
             </a:extLst>
           </p:cNvPr>
@@ -16725,7 +16710,7 @@
           <p:cNvPr id="9" name="Content Placeholder 8">
             <a:extLst>
               <a:ext uri="{FF2B5EF4-FFF2-40B4-BE49-F238E27FC236}">
-                <a16:creationId xmlns:a16="http://schemas.microsoft.com/office/drawing/2014/main" id="{EDC8092A-BDD9-4BBB-81C0-6C7103536246}"/>
+                <a16:creationId xmlns:a16="http://schemas.microsoft.com/office/drawing/2014/main" xmlns="" id="{EDC8092A-BDD9-4BBB-81C0-6C7103536246}"/>
               </a:ext>
             </a:extLst>
           </p:cNvPr>
@@ -16759,7 +16744,7 @@
           <p:cNvPr id="11" name="Picture 10">
             <a:extLst>
               <a:ext uri="{FF2B5EF4-FFF2-40B4-BE49-F238E27FC236}">
-                <a16:creationId xmlns:a16="http://schemas.microsoft.com/office/drawing/2014/main" id="{7E060F60-61BF-4BA5-AD4C-6BFFD63619B7}"/>
+                <a16:creationId xmlns:a16="http://schemas.microsoft.com/office/drawing/2014/main" xmlns="" id="{7E060F60-61BF-4BA5-AD4C-6BFFD63619B7}"/>
               </a:ext>
             </a:extLst>
           </p:cNvPr>
@@ -16794,7 +16779,7 @@
           <p:cNvPr id="3" name="TextBox 2">
             <a:extLst>
               <a:ext uri="{FF2B5EF4-FFF2-40B4-BE49-F238E27FC236}">
-                <a16:creationId xmlns:a16="http://schemas.microsoft.com/office/drawing/2014/main" id="{4962E16C-68EE-46BB-9A26-0D2E785E85C1}"/>
+                <a16:creationId xmlns:a16="http://schemas.microsoft.com/office/drawing/2014/main" xmlns="" id="{4962E16C-68EE-46BB-9A26-0D2E785E85C1}"/>
               </a:ext>
             </a:extLst>
           </p:cNvPr>
@@ -16863,7 +16848,7 @@
           <p:cNvPr id="3" name="Content Placeholder 2">
             <a:extLst>
               <a:ext uri="{FF2B5EF4-FFF2-40B4-BE49-F238E27FC236}">
-                <a16:creationId xmlns:a16="http://schemas.microsoft.com/office/drawing/2014/main" id="{C5CD1C30-8048-465A-AAB8-9BD777D62240}"/>
+                <a16:creationId xmlns:a16="http://schemas.microsoft.com/office/drawing/2014/main" xmlns="" id="{C5CD1C30-8048-465A-AAB8-9BD777D62240}"/>
               </a:ext>
             </a:extLst>
           </p:cNvPr>
@@ -16988,7 +16973,7 @@
           <p:cNvPr id="6" name="TextBox 5">
             <a:extLst>
               <a:ext uri="{FF2B5EF4-FFF2-40B4-BE49-F238E27FC236}">
-                <a16:creationId xmlns:a16="http://schemas.microsoft.com/office/drawing/2014/main" id="{0559C2CF-C13A-46A2-A791-A763AF06F060}"/>
+                <a16:creationId xmlns:a16="http://schemas.microsoft.com/office/drawing/2014/main" xmlns="" id="{0559C2CF-C13A-46A2-A791-A763AF06F060}"/>
               </a:ext>
             </a:extLst>
           </p:cNvPr>
@@ -17057,7 +17042,7 @@
           <p:cNvPr id="2" name="Title 1">
             <a:extLst>
               <a:ext uri="{FF2B5EF4-FFF2-40B4-BE49-F238E27FC236}">
-                <a16:creationId xmlns:a16="http://schemas.microsoft.com/office/drawing/2014/main" id="{82F5D178-FAC9-4CA6-BB79-43FFCAD033A5}"/>
+                <a16:creationId xmlns:a16="http://schemas.microsoft.com/office/drawing/2014/main" xmlns="" id="{82F5D178-FAC9-4CA6-BB79-43FFCAD033A5}"/>
               </a:ext>
             </a:extLst>
           </p:cNvPr>
@@ -17091,7 +17076,7 @@
           <p:cNvPr id="3" name="Content Placeholder 2">
             <a:extLst>
               <a:ext uri="{FF2B5EF4-FFF2-40B4-BE49-F238E27FC236}">
-                <a16:creationId xmlns:a16="http://schemas.microsoft.com/office/drawing/2014/main" id="{A3F85878-3BE6-4A64-8344-0EBCDF7F626D}"/>
+                <a16:creationId xmlns:a16="http://schemas.microsoft.com/office/drawing/2014/main" xmlns="" id="{A3F85878-3BE6-4A64-8344-0EBCDF7F626D}"/>
               </a:ext>
             </a:extLst>
           </p:cNvPr>
@@ -17276,7 +17261,7 @@
           <p:cNvPr id="2" name="Title 1">
             <a:extLst>
               <a:ext uri="{FF2B5EF4-FFF2-40B4-BE49-F238E27FC236}">
-                <a16:creationId xmlns:a16="http://schemas.microsoft.com/office/drawing/2014/main" id="{28AEEFA4-94C3-4462-8066-3F40D17C5CF9}"/>
+                <a16:creationId xmlns:a16="http://schemas.microsoft.com/office/drawing/2014/main" xmlns="" id="{28AEEFA4-94C3-4462-8066-3F40D17C5CF9}"/>
               </a:ext>
             </a:extLst>
           </p:cNvPr>
@@ -17312,7 +17297,7 @@
           <p:cNvPr id="3" name="Content Placeholder 2">
             <a:extLst>
               <a:ext uri="{FF2B5EF4-FFF2-40B4-BE49-F238E27FC236}">
-                <a16:creationId xmlns:a16="http://schemas.microsoft.com/office/drawing/2014/main" id="{06349707-E58A-4535-8084-E52DA8883689}"/>
+                <a16:creationId xmlns:a16="http://schemas.microsoft.com/office/drawing/2014/main" xmlns="" id="{06349707-E58A-4535-8084-E52DA8883689}"/>
               </a:ext>
             </a:extLst>
           </p:cNvPr>
@@ -17531,7 +17516,7 @@
           <p:cNvPr id="2" name="Title 1">
             <a:extLst>
               <a:ext uri="{FF2B5EF4-FFF2-40B4-BE49-F238E27FC236}">
-                <a16:creationId xmlns:a16="http://schemas.microsoft.com/office/drawing/2014/main" id="{EBC03A22-2FAB-4E23-879E-9D04C14E1F20}"/>
+                <a16:creationId xmlns:a16="http://schemas.microsoft.com/office/drawing/2014/main" xmlns="" id="{EBC03A22-2FAB-4E23-879E-9D04C14E1F20}"/>
               </a:ext>
             </a:extLst>
           </p:cNvPr>
@@ -17565,7 +17550,7 @@
           <p:cNvPr id="3" name="Content Placeholder 2">
             <a:extLst>
               <a:ext uri="{FF2B5EF4-FFF2-40B4-BE49-F238E27FC236}">
-                <a16:creationId xmlns:a16="http://schemas.microsoft.com/office/drawing/2014/main" id="{C5CD1C30-8048-465A-AAB8-9BD777D62240}"/>
+                <a16:creationId xmlns:a16="http://schemas.microsoft.com/office/drawing/2014/main" xmlns="" id="{C5CD1C30-8048-465A-AAB8-9BD777D62240}"/>
               </a:ext>
             </a:extLst>
           </p:cNvPr>
@@ -17656,7 +17641,7 @@
           <p:cNvPr id="2" name="Title 1">
             <a:extLst>
               <a:ext uri="{FF2B5EF4-FFF2-40B4-BE49-F238E27FC236}">
-                <a16:creationId xmlns:a16="http://schemas.microsoft.com/office/drawing/2014/main" id="{EBC03A22-2FAB-4E23-879E-9D04C14E1F20}"/>
+                <a16:creationId xmlns:a16="http://schemas.microsoft.com/office/drawing/2014/main" xmlns="" id="{EBC03A22-2FAB-4E23-879E-9D04C14E1F20}"/>
               </a:ext>
             </a:extLst>
           </p:cNvPr>
@@ -17690,7 +17675,7 @@
           <p:cNvPr id="3" name="Content Placeholder 2">
             <a:extLst>
               <a:ext uri="{FF2B5EF4-FFF2-40B4-BE49-F238E27FC236}">
-                <a16:creationId xmlns:a16="http://schemas.microsoft.com/office/drawing/2014/main" id="{C5CD1C30-8048-465A-AAB8-9BD777D62240}"/>
+                <a16:creationId xmlns:a16="http://schemas.microsoft.com/office/drawing/2014/main" xmlns="" id="{C5CD1C30-8048-465A-AAB8-9BD777D62240}"/>
               </a:ext>
             </a:extLst>
           </p:cNvPr>
@@ -17861,7 +17846,7 @@
           <p:cNvPr id="2" name="Title 1">
             <a:extLst>
               <a:ext uri="{FF2B5EF4-FFF2-40B4-BE49-F238E27FC236}">
-                <a16:creationId xmlns:a16="http://schemas.microsoft.com/office/drawing/2014/main" id="{EBC03A22-2FAB-4E23-879E-9D04C14E1F20}"/>
+                <a16:creationId xmlns:a16="http://schemas.microsoft.com/office/drawing/2014/main" xmlns="" id="{EBC03A22-2FAB-4E23-879E-9D04C14E1F20}"/>
               </a:ext>
             </a:extLst>
           </p:cNvPr>
@@ -17895,7 +17880,7 @@
           <p:cNvPr id="3" name="Content Placeholder 2">
             <a:extLst>
               <a:ext uri="{FF2B5EF4-FFF2-40B4-BE49-F238E27FC236}">
-                <a16:creationId xmlns:a16="http://schemas.microsoft.com/office/drawing/2014/main" id="{C5CD1C30-8048-465A-AAB8-9BD777D62240}"/>
+                <a16:creationId xmlns:a16="http://schemas.microsoft.com/office/drawing/2014/main" xmlns="" id="{C5CD1C30-8048-465A-AAB8-9BD777D62240}"/>
               </a:ext>
             </a:extLst>
           </p:cNvPr>
@@ -18160,7 +18145,7 @@
           <p:cNvPr id="2" name="Title 1">
             <a:extLst>
               <a:ext uri="{FF2B5EF4-FFF2-40B4-BE49-F238E27FC236}">
-                <a16:creationId xmlns:a16="http://schemas.microsoft.com/office/drawing/2014/main" id="{31D684FE-EED8-4C27-91BA-85E61A2C1F8A}"/>
+                <a16:creationId xmlns:a16="http://schemas.microsoft.com/office/drawing/2014/main" xmlns="" id="{31D684FE-EED8-4C27-91BA-85E61A2C1F8A}"/>
               </a:ext>
             </a:extLst>
           </p:cNvPr>
@@ -18222,28 +18207,28 @@
                 <a:gridCol w="2476500">
                   <a:extLst>
                     <a:ext uri="{9D8B030D-6E8A-4147-A177-3AD203B41FA5}">
-                      <a16:colId xmlns:a16="http://schemas.microsoft.com/office/drawing/2014/main" val="20000"/>
+                      <a16:colId xmlns:a16="http://schemas.microsoft.com/office/drawing/2014/main" xmlns="" val="20000"/>
                     </a:ext>
                   </a:extLst>
                 </a:gridCol>
                 <a:gridCol w="2476500">
                   <a:extLst>
                     <a:ext uri="{9D8B030D-6E8A-4147-A177-3AD203B41FA5}">
-                      <a16:colId xmlns:a16="http://schemas.microsoft.com/office/drawing/2014/main" val="20001"/>
+                      <a16:colId xmlns:a16="http://schemas.microsoft.com/office/drawing/2014/main" xmlns="" val="20001"/>
                     </a:ext>
                   </a:extLst>
                 </a:gridCol>
                 <a:gridCol w="2476500">
                   <a:extLst>
                     <a:ext uri="{9D8B030D-6E8A-4147-A177-3AD203B41FA5}">
-                      <a16:colId xmlns:a16="http://schemas.microsoft.com/office/drawing/2014/main" val="20002"/>
+                      <a16:colId xmlns:a16="http://schemas.microsoft.com/office/drawing/2014/main" xmlns="" val="20002"/>
                     </a:ext>
                   </a:extLst>
                 </a:gridCol>
                 <a:gridCol w="2476500">
                   <a:extLst>
                     <a:ext uri="{9D8B030D-6E8A-4147-A177-3AD203B41FA5}">
-                      <a16:colId xmlns:a16="http://schemas.microsoft.com/office/drawing/2014/main" val="20003"/>
+                      <a16:colId xmlns:a16="http://schemas.microsoft.com/office/drawing/2014/main" xmlns="" val="20003"/>
                     </a:ext>
                   </a:extLst>
                 </a:gridCol>
@@ -18303,7 +18288,7 @@
                 </a:tc>
                 <a:extLst>
                   <a:ext uri="{0D108BD9-81ED-4DB2-BD59-A6C34878D82A}">
-                    <a16:rowId xmlns:a16="http://schemas.microsoft.com/office/drawing/2014/main" val="10000"/>
+                    <a16:rowId xmlns:a16="http://schemas.microsoft.com/office/drawing/2014/main" xmlns="" val="10000"/>
                   </a:ext>
                 </a:extLst>
               </a:tr>
@@ -18362,7 +18347,7 @@
                 </a:tc>
                 <a:extLst>
                   <a:ext uri="{0D108BD9-81ED-4DB2-BD59-A6C34878D82A}">
-                    <a16:rowId xmlns:a16="http://schemas.microsoft.com/office/drawing/2014/main" val="10001"/>
+                    <a16:rowId xmlns:a16="http://schemas.microsoft.com/office/drawing/2014/main" xmlns="" val="10001"/>
                   </a:ext>
                 </a:extLst>
               </a:tr>
@@ -18398,28 +18383,28 @@
                 <a:gridCol w="2476500">
                   <a:extLst>
                     <a:ext uri="{9D8B030D-6E8A-4147-A177-3AD203B41FA5}">
-                      <a16:colId xmlns:a16="http://schemas.microsoft.com/office/drawing/2014/main" val="20000"/>
+                      <a16:colId xmlns:a16="http://schemas.microsoft.com/office/drawing/2014/main" xmlns="" val="20000"/>
                     </a:ext>
                   </a:extLst>
                 </a:gridCol>
                 <a:gridCol w="2476500">
                   <a:extLst>
                     <a:ext uri="{9D8B030D-6E8A-4147-A177-3AD203B41FA5}">
-                      <a16:colId xmlns:a16="http://schemas.microsoft.com/office/drawing/2014/main" val="20001"/>
+                      <a16:colId xmlns:a16="http://schemas.microsoft.com/office/drawing/2014/main" xmlns="" val="20001"/>
                     </a:ext>
                   </a:extLst>
                 </a:gridCol>
                 <a:gridCol w="2476500">
                   <a:extLst>
                     <a:ext uri="{9D8B030D-6E8A-4147-A177-3AD203B41FA5}">
-                      <a16:colId xmlns:a16="http://schemas.microsoft.com/office/drawing/2014/main" val="20002"/>
+                      <a16:colId xmlns:a16="http://schemas.microsoft.com/office/drawing/2014/main" xmlns="" val="20002"/>
                     </a:ext>
                   </a:extLst>
                 </a:gridCol>
                 <a:gridCol w="2476500">
                   <a:extLst>
                     <a:ext uri="{9D8B030D-6E8A-4147-A177-3AD203B41FA5}">
-                      <a16:colId xmlns:a16="http://schemas.microsoft.com/office/drawing/2014/main" val="20003"/>
+                      <a16:colId xmlns:a16="http://schemas.microsoft.com/office/drawing/2014/main" xmlns="" val="20003"/>
                     </a:ext>
                   </a:extLst>
                 </a:gridCol>
@@ -18480,7 +18465,7 @@
                 </a:tc>
                 <a:extLst>
                   <a:ext uri="{0D108BD9-81ED-4DB2-BD59-A6C34878D82A}">
-                    <a16:rowId xmlns:a16="http://schemas.microsoft.com/office/drawing/2014/main" val="10000"/>
+                    <a16:rowId xmlns:a16="http://schemas.microsoft.com/office/drawing/2014/main" xmlns="" val="10000"/>
                   </a:ext>
                 </a:extLst>
               </a:tr>
@@ -18539,7 +18524,7 @@
                 </a:tc>
                 <a:extLst>
                   <a:ext uri="{0D108BD9-81ED-4DB2-BD59-A6C34878D82A}">
-                    <a16:rowId xmlns:a16="http://schemas.microsoft.com/office/drawing/2014/main" val="10001"/>
+                    <a16:rowId xmlns:a16="http://schemas.microsoft.com/office/drawing/2014/main" xmlns="" val="10001"/>
                   </a:ext>
                 </a:extLst>
               </a:tr>
@@ -18598,7 +18583,7 @@
                 </a:tc>
                 <a:extLst>
                   <a:ext uri="{0D108BD9-81ED-4DB2-BD59-A6C34878D82A}">
-                    <a16:rowId xmlns:a16="http://schemas.microsoft.com/office/drawing/2014/main" val="10002"/>
+                    <a16:rowId xmlns:a16="http://schemas.microsoft.com/office/drawing/2014/main" xmlns="" val="10002"/>
                   </a:ext>
                 </a:extLst>
               </a:tr>
@@ -18611,7 +18596,7 @@
           <p:cNvPr id="3" name="TextBox 2">
             <a:extLst>
               <a:ext uri="{FF2B5EF4-FFF2-40B4-BE49-F238E27FC236}">
-                <a16:creationId xmlns:a16="http://schemas.microsoft.com/office/drawing/2014/main" id="{CDA3C7E8-CC09-4CA4-AC49-943BB1671C26}"/>
+                <a16:creationId xmlns:a16="http://schemas.microsoft.com/office/drawing/2014/main" xmlns="" id="{CDA3C7E8-CC09-4CA4-AC49-943BB1671C26}"/>
               </a:ext>
             </a:extLst>
           </p:cNvPr>
@@ -18649,7 +18634,7 @@
           <p:cNvPr id="7" name="TextBox 6">
             <a:extLst>
               <a:ext uri="{FF2B5EF4-FFF2-40B4-BE49-F238E27FC236}">
-                <a16:creationId xmlns:a16="http://schemas.microsoft.com/office/drawing/2014/main" id="{54B6EBDB-9A83-45B3-BA2E-6E4652FFCB2C}"/>
+                <a16:creationId xmlns:a16="http://schemas.microsoft.com/office/drawing/2014/main" xmlns="" id="{54B6EBDB-9A83-45B3-BA2E-6E4652FFCB2C}"/>
               </a:ext>
             </a:extLst>
           </p:cNvPr>
@@ -18776,7 +18761,7 @@
           <p:cNvPr id="2" name="Title 1">
             <a:extLst>
               <a:ext uri="{FF2B5EF4-FFF2-40B4-BE49-F238E27FC236}">
-                <a16:creationId xmlns:a16="http://schemas.microsoft.com/office/drawing/2014/main" id="{EBC03A22-2FAB-4E23-879E-9D04C14E1F20}"/>
+                <a16:creationId xmlns:a16="http://schemas.microsoft.com/office/drawing/2014/main" xmlns="" id="{EBC03A22-2FAB-4E23-879E-9D04C14E1F20}"/>
               </a:ext>
             </a:extLst>
           </p:cNvPr>
@@ -18799,12 +18784,24 @@
           </a:bodyPr>
           <a:lstStyle/>
           <a:p>
+            <a:r>
+              <a:rPr lang="en-US" sz="2700" dirty="0"/>
+              <a:t/>
+            </a:r>
             <a:br>
               <a:rPr lang="en-US" sz="2700" dirty="0"/>
             </a:br>
+            <a:r>
+              <a:rPr lang="en-US" sz="2700" dirty="0"/>
+              <a:t/>
+            </a:r>
             <a:br>
               <a:rPr lang="en-US" sz="2700" dirty="0"/>
             </a:br>
+            <a:r>
+              <a:rPr lang="en-US" dirty="0"/>
+              <a:t/>
+            </a:r>
             <a:br>
               <a:rPr lang="en-US" dirty="0"/>
             </a:br>
@@ -18838,9 +18835,101 @@
           </a:p>
         </p:txBody>
       </p:sp>
+      <p:sp>
+        <p:nvSpPr>
+          <p:cNvPr id="8" name="Rectangle 7"/>
+          <p:cNvSpPr/>
+          <p:nvPr/>
+        </p:nvSpPr>
+        <p:spPr>
+          <a:xfrm>
+            <a:off x="805219" y="301190"/>
+            <a:ext cx="11386781" cy="569387"/>
+          </a:xfrm>
+          <a:prstGeom prst="rect">
+            <a:avLst/>
+          </a:prstGeom>
+        </p:spPr>
+        <p:txBody>
+          <a:bodyPr wrap="square">
+            <a:spAutoFit/>
+          </a:bodyPr>
+          <a:lstStyle/>
+          <a:p>
+            <a:r>
+              <a:rPr lang="en-US" sz="3100" dirty="0" smtClean="0"/>
+              <a:t>Analysis 1 –Default STUDENT loan rate by tuition and program length</a:t>
+            </a:r>
+            <a:endParaRPr lang="en-US" sz="3100" dirty="0"/>
+          </a:p>
+        </p:txBody>
+      </p:sp>
+      <p:sp>
+        <p:nvSpPr>
+          <p:cNvPr id="9" name="Title 1">
+            <a:extLst>
+              <a:ext uri="{FF2B5EF4-FFF2-40B4-BE49-F238E27FC236}">
+                <a16:creationId xmlns="" xmlns:a16="http://schemas.microsoft.com/office/drawing/2014/main" id="{EBC03A22-2FAB-4E23-879E-9D04C14E1F20}"/>
+              </a:ext>
+            </a:extLst>
+          </p:cNvPr>
+          <p:cNvSpPr txBox="1">
+            <a:spLocks/>
+          </p:cNvSpPr>
+          <p:nvPr/>
+        </p:nvSpPr>
+        <p:spPr>
+          <a:xfrm>
+            <a:off x="129883" y="1270000"/>
+            <a:ext cx="6223379" cy="1219200"/>
+          </a:xfrm>
+          <a:prstGeom prst="rect">
+            <a:avLst/>
+          </a:prstGeom>
+        </p:spPr>
+        <p:txBody>
+          <a:bodyPr vert="horz" lIns="91440" tIns="45720" rIns="91440" bIns="45720" rtlCol="0" anchor="ctr">
+            <a:normAutofit fontScale="97500" lnSpcReduction="10000"/>
+          </a:bodyPr>
+          <a:lstStyle>
+            <a:lvl1pPr algn="l" defTabSz="914400" rtl="0" eaLnBrk="1" latinLnBrk="0" hangingPunct="1">
+              <a:lnSpc>
+                <a:spcPct val="90000"/>
+              </a:lnSpc>
+              <a:spcBef>
+                <a:spcPct val="0"/>
+              </a:spcBef>
+              <a:buNone/>
+              <a:defRPr sz="3600" kern="1200" cap="all" baseline="0">
+                <a:solidFill>
+                  <a:schemeClr val="tx1"/>
+                </a:solidFill>
+                <a:latin typeface="+mj-lt"/>
+                <a:ea typeface="+mj-ea"/>
+                <a:cs typeface="+mj-cs"/>
+              </a:defRPr>
+            </a:lvl1pPr>
+          </a:lstStyle>
+          <a:p>
+            <a:pPr algn="ctr"/>
+            <a:r>
+              <a:rPr lang="en-US" sz="2700" smtClean="0"/>
+              <a:t>Default Rate on Cost of tuition (Binned) </a:t>
+            </a:r>
+            <a:r>
+              <a:rPr lang="en-US" smtClean="0"/>
+              <a:t/>
+            </a:r>
+            <a:br>
+              <a:rPr lang="en-US" smtClean="0"/>
+            </a:br>
+            <a:endParaRPr lang="en-US" dirty="0"/>
+          </a:p>
+        </p:txBody>
+      </p:sp>
       <p:pic>
         <p:nvPicPr>
-          <p:cNvPr id="3" name="Picture 2"/>
+          <p:cNvPr id="11" name="Picture 10"/>
           <p:cNvPicPr>
             <a:picLocks noChangeAspect="1"/>
           </p:cNvPicPr>
@@ -18860,134 +18949,74 @@
         </p:blipFill>
         <p:spPr>
           <a:xfrm>
-            <a:off x="129883" y="2032001"/>
-            <a:ext cx="5964529" cy="3976352"/>
+            <a:off x="174010" y="2060812"/>
+            <a:ext cx="6950122" cy="4633415"/>
           </a:xfrm>
           <a:prstGeom prst="rect">
             <a:avLst/>
           </a:prstGeom>
         </p:spPr>
       </p:pic>
-      <p:pic>
-        <p:nvPicPr>
-          <p:cNvPr id="6" name="Picture 5"/>
-          <p:cNvPicPr>
-            <a:picLocks noChangeAspect="1"/>
-          </p:cNvPicPr>
+      <p:sp>
+        <p:nvSpPr>
+          <p:cNvPr id="12" name="Rectangle 11"/>
+          <p:cNvSpPr/>
           <p:nvPr/>
-        </p:nvPicPr>
-        <p:blipFill>
-          <a:blip r:embed="rId4" cstate="print">
-            <a:extLst>
-              <a:ext uri="{28A0092B-C50C-407E-A947-70E740481C1C}">
-                <a14:useLocalDpi xmlns:a14="http://schemas.microsoft.com/office/drawing/2010/main" val="0"/>
-              </a:ext>
-            </a:extLst>
-          </a:blip>
-          <a:stretch>
-            <a:fillRect/>
-          </a:stretch>
-        </p:blipFill>
+        </p:nvSpPr>
         <p:spPr>
           <a:xfrm>
-            <a:off x="6140741" y="2032001"/>
-            <a:ext cx="5964528" cy="3976352"/>
+            <a:off x="7392538" y="1813859"/>
+            <a:ext cx="4799462" cy="1754326"/>
           </a:xfrm>
           <a:prstGeom prst="rect">
             <a:avLst/>
           </a:prstGeom>
         </p:spPr>
-      </p:pic>
-      <p:sp>
-        <p:nvSpPr>
-          <p:cNvPr id="5" name="TextBox 4">
-            <a:extLst>
-              <a:ext uri="{FF2B5EF4-FFF2-40B4-BE49-F238E27FC236}">
-                <a16:creationId xmlns:a16="http://schemas.microsoft.com/office/drawing/2014/main" id="{CC235E17-29A0-4298-91FC-46D4D883AB7C}"/>
-              </a:ext>
-            </a:extLst>
-          </p:cNvPr>
-          <p:cNvSpPr txBox="1"/>
-          <p:nvPr/>
-        </p:nvSpPr>
-        <p:spPr>
-          <a:xfrm>
-            <a:off x="1439333" y="271157"/>
-            <a:ext cx="9922934" cy="523220"/>
-          </a:xfrm>
-          <a:prstGeom prst="rect">
-            <a:avLst/>
-          </a:prstGeom>
-          <a:noFill/>
-        </p:spPr>
         <p:txBody>
-          <a:bodyPr wrap="square" rtlCol="0">
+          <a:bodyPr wrap="square">
             <a:spAutoFit/>
           </a:bodyPr>
           <a:lstStyle/>
           <a:p>
             <a:r>
-              <a:rPr lang="en-US" sz="2800" dirty="0">
-                <a:latin typeface="Arial" panose="020B0604020202020204" pitchFamily="34" charset="0"/>
-                <a:cs typeface="Arial" panose="020B0604020202020204" pitchFamily="34" charset="0"/>
-              </a:rPr>
-              <a:t>  Analysis 1 &lt;- Influence of cost of attendance on default rate</a:t>
-            </a:r>
-          </a:p>
-        </p:txBody>
-      </p:sp>
-      <p:sp>
-        <p:nvSpPr>
-          <p:cNvPr id="10" name="TextBox 9">
-            <a:extLst>
-              <a:ext uri="{FF2B5EF4-FFF2-40B4-BE49-F238E27FC236}">
-                <a16:creationId xmlns:a16="http://schemas.microsoft.com/office/drawing/2014/main" id="{C8CD4048-758B-48B0-8180-0478F27B5942}"/>
-              </a:ext>
-            </a:extLst>
-          </p:cNvPr>
-          <p:cNvSpPr txBox="1"/>
-          <p:nvPr/>
-        </p:nvSpPr>
-        <p:spPr>
-          <a:xfrm>
-            <a:off x="1913467" y="870577"/>
-            <a:ext cx="9347200" cy="830997"/>
-          </a:xfrm>
-          <a:prstGeom prst="rect">
-            <a:avLst/>
-          </a:prstGeom>
-          <a:noFill/>
-        </p:spPr>
-        <p:txBody>
-          <a:bodyPr wrap="square" rtlCol="0">
-            <a:spAutoFit/>
-          </a:bodyPr>
-          <a:lstStyle/>
-          <a:p>
-            <a:pPr marL="342900" indent="-342900">
-              <a:buFont typeface="Arial" panose="020B0604020202020204" pitchFamily="34" charset="0"/>
-              <a:buChar char="•"/>
-            </a:pPr>
-            <a:r>
-              <a:rPr lang="en-US" sz="2400" dirty="0">
-                <a:latin typeface="Arial" panose="020B0604020202020204" pitchFamily="34" charset="0"/>
-                <a:cs typeface="Arial" panose="020B0604020202020204" pitchFamily="34" charset="0"/>
-              </a:rPr>
-              <a:t>Default Rate on Cost of Tuition measured by Program Length</a:t>
-            </a:r>
-          </a:p>
-          <a:p>
-            <a:pPr marL="342900" indent="-342900">
-              <a:buFont typeface="Arial" panose="020B0604020202020204" pitchFamily="34" charset="0"/>
-              <a:buChar char="•"/>
-            </a:pPr>
-            <a:r>
-              <a:rPr lang="en-US" sz="2400" dirty="0">
-                <a:latin typeface="Arial" panose="020B0604020202020204" pitchFamily="34" charset="0"/>
-                <a:cs typeface="Arial" panose="020B0604020202020204" pitchFamily="34" charset="0"/>
-              </a:rPr>
-              <a:t>Default Rate by Cost of Tuition binned</a:t>
-            </a:r>
+              <a:rPr lang="en-US" dirty="0" smtClean="0"/>
+              <a:t>QUESTION</a:t>
+            </a:r>
+            <a:r>
+              <a:rPr lang="en-US" dirty="0" smtClean="0"/>
+              <a:t>: </a:t>
+            </a:r>
+            <a:r>
+              <a:rPr lang="en-US" dirty="0" smtClean="0"/>
+              <a:t>Perform written and visual analysis to </a:t>
+            </a:r>
+            <a:r>
+              <a:rPr lang="en-US" smtClean="0"/>
+              <a:t>determine </a:t>
+            </a:r>
+            <a:r>
+              <a:rPr lang="en-US" smtClean="0"/>
+              <a:t>is a </a:t>
+            </a:r>
+            <a:r>
+              <a:rPr lang="en-US" smtClean="0"/>
+              <a:t>correlation </a:t>
+            </a:r>
+            <a:r>
+              <a:rPr lang="en-US" dirty="0"/>
+              <a:t>between the default rates based on cost of tuition?</a:t>
+            </a:r>
+          </a:p>
+          <a:p>
+            <a:endParaRPr lang="en-US" dirty="0" smtClean="0"/>
+          </a:p>
+          <a:p>
+            <a:pPr lvl="1"/>
+            <a:endParaRPr lang="en-US" dirty="0" smtClean="0"/>
+          </a:p>
+          <a:p>
+            <a:pPr lvl="2"/>
+            <a:endParaRPr lang="en-US" dirty="0"/>
           </a:p>
         </p:txBody>
       </p:sp>
@@ -19021,130 +19050,13 @@
           <a:chExt cx="0" cy="0"/>
         </a:xfrm>
       </p:grpSpPr>
-      <p:sp>
-        <p:nvSpPr>
-          <p:cNvPr id="2" name="Title 1">
-            <a:extLst>
-              <a:ext uri="{FF2B5EF4-FFF2-40B4-BE49-F238E27FC236}">
-                <a16:creationId xmlns:a16="http://schemas.microsoft.com/office/drawing/2014/main" id="{EBC03A22-2FAB-4E23-879E-9D04C14E1F20}"/>
-              </a:ext>
-            </a:extLst>
-          </p:cNvPr>
-          <p:cNvSpPr>
-            <a:spLocks noGrp="1"/>
-          </p:cNvSpPr>
-          <p:nvPr>
-            <p:ph type="title"/>
-          </p:nvPr>
-        </p:nvSpPr>
-        <p:spPr>
-          <a:xfrm>
-            <a:off x="1083733" y="702903"/>
-            <a:ext cx="10430934" cy="826647"/>
-          </a:xfrm>
-        </p:spPr>
-        <p:txBody>
-          <a:bodyPr>
-            <a:normAutofit fontScale="90000"/>
-          </a:bodyPr>
-          <a:lstStyle/>
-          <a:p>
-            <a:br>
-              <a:rPr lang="en-US" sz="2700" dirty="0"/>
-            </a:br>
-            <a:br>
-              <a:rPr lang="en-US" sz="2700" dirty="0"/>
-            </a:br>
-            <a:r>
-              <a:rPr lang="en-US" sz="2700" dirty="0"/>
-              <a:t>      </a:t>
-            </a:r>
-            <a:br>
-              <a:rPr lang="en-US" dirty="0"/>
-            </a:br>
-            <a:endParaRPr lang="en-US" dirty="0"/>
-          </a:p>
-        </p:txBody>
-      </p:sp>
-      <p:sp>
-        <p:nvSpPr>
-          <p:cNvPr id="4" name="TextBox 3"/>
-          <p:cNvSpPr txBox="1"/>
-          <p:nvPr/>
-        </p:nvSpPr>
-        <p:spPr>
-          <a:xfrm>
-            <a:off x="3342807" y="3327816"/>
-            <a:ext cx="184731" cy="369332"/>
-          </a:xfrm>
-          <a:prstGeom prst="rect">
-            <a:avLst/>
-          </a:prstGeom>
-          <a:noFill/>
-        </p:spPr>
-        <p:txBody>
-          <a:bodyPr wrap="none" rtlCol="0">
-            <a:spAutoFit/>
-          </a:bodyPr>
-          <a:lstStyle/>
-          <a:p>
-            <a:endParaRPr lang="en-US" dirty="0"/>
-          </a:p>
-        </p:txBody>
-      </p:sp>
-      <p:sp>
-        <p:nvSpPr>
-          <p:cNvPr id="5" name="TextBox 4">
-            <a:extLst>
-              <a:ext uri="{FF2B5EF4-FFF2-40B4-BE49-F238E27FC236}">
-                <a16:creationId xmlns:a16="http://schemas.microsoft.com/office/drawing/2014/main" id="{CC235E17-29A0-4298-91FC-46D4D883AB7C}"/>
-              </a:ext>
-            </a:extLst>
-          </p:cNvPr>
-          <p:cNvSpPr txBox="1"/>
-          <p:nvPr/>
-        </p:nvSpPr>
-        <p:spPr>
-          <a:xfrm>
-            <a:off x="1380066" y="327970"/>
-            <a:ext cx="9922934" cy="523220"/>
-          </a:xfrm>
-          <a:prstGeom prst="rect">
-            <a:avLst/>
-          </a:prstGeom>
-          <a:noFill/>
-        </p:spPr>
-        <p:txBody>
-          <a:bodyPr wrap="square" rtlCol="0">
-            <a:spAutoFit/>
-          </a:bodyPr>
-          <a:lstStyle/>
-          <a:p>
-            <a:r>
-              <a:rPr lang="en-US" sz="2800" dirty="0">
-                <a:latin typeface="Arial" panose="020B0604020202020204" pitchFamily="34" charset="0"/>
-                <a:cs typeface="Arial" panose="020B0604020202020204" pitchFamily="34" charset="0"/>
-              </a:rPr>
-              <a:t>  Analysis 1 &lt;- Influence of cost of attendance on default rate</a:t>
-            </a:r>
-          </a:p>
-        </p:txBody>
-      </p:sp>
       <p:pic>
         <p:nvPicPr>
-          <p:cNvPr id="7" name="Content Placeholder 4">
-            <a:extLst>
-              <a:ext uri="{FF2B5EF4-FFF2-40B4-BE49-F238E27FC236}">
-                <a16:creationId xmlns:a16="http://schemas.microsoft.com/office/drawing/2014/main" id="{557E2981-FDAB-49B8-9ED7-8B4D917EC743}"/>
-              </a:ext>
-            </a:extLst>
-          </p:cNvPr>
+          <p:cNvPr id="6" name="Content Placeholder 6"/>
           <p:cNvPicPr>
-            <a:picLocks noGrp="1" noChangeAspect="1"/>
+            <a:picLocks noChangeAspect="1"/>
           </p:cNvPicPr>
-          <p:nvPr>
-            <p:ph idx="1"/>
-          </p:nvPr>
+          <p:nvPr/>
         </p:nvPicPr>
         <p:blipFill>
           <a:blip r:embed="rId3" cstate="print">
@@ -19160,57 +19072,218 @@
         </p:blipFill>
         <p:spPr>
           <a:xfrm>
-            <a:off x="2438400" y="1639447"/>
-            <a:ext cx="7281333" cy="4854222"/>
-          </a:xfrm>
-        </p:spPr>
-      </p:pic>
-      <p:sp>
-        <p:nvSpPr>
-          <p:cNvPr id="8" name="TextBox 7">
-            <a:extLst>
-              <a:ext uri="{FF2B5EF4-FFF2-40B4-BE49-F238E27FC236}">
-                <a16:creationId xmlns:a16="http://schemas.microsoft.com/office/drawing/2014/main" id="{325ED631-767C-4992-A7D6-9AD5F54C95AC}"/>
-              </a:ext>
-            </a:extLst>
-          </p:cNvPr>
-          <p:cNvSpPr txBox="1"/>
-          <p:nvPr/>
-        </p:nvSpPr>
-        <p:spPr>
-          <a:xfrm>
-            <a:off x="1380066" y="854992"/>
-            <a:ext cx="10134601" cy="523220"/>
+            <a:off x="215153" y="1990164"/>
+            <a:ext cx="5810147" cy="3873431"/>
           </a:xfrm>
           <a:prstGeom prst="rect">
             <a:avLst/>
           </a:prstGeom>
-          <a:noFill/>
+        </p:spPr>
+      </p:pic>
+      <p:pic>
+        <p:nvPicPr>
+          <p:cNvPr id="7" name="Picture 6"/>
+          <p:cNvPicPr>
+            <a:picLocks noChangeAspect="1"/>
+          </p:cNvPicPr>
+          <p:nvPr/>
+        </p:nvPicPr>
+        <p:blipFill>
+          <a:blip r:embed="rId4" cstate="print">
+            <a:extLst>
+              <a:ext uri="{28A0092B-C50C-407E-A947-70E740481C1C}">
+                <a14:useLocalDpi xmlns:a14="http://schemas.microsoft.com/office/drawing/2010/main" val="0"/>
+              </a:ext>
+            </a:extLst>
+          </a:blip>
+          <a:stretch>
+            <a:fillRect/>
+          </a:stretch>
+        </p:blipFill>
+        <p:spPr>
+          <a:xfrm>
+            <a:off x="6121875" y="1972235"/>
+            <a:ext cx="5783254" cy="3855503"/>
+          </a:xfrm>
+          <a:prstGeom prst="rect">
+            <a:avLst/>
+          </a:prstGeom>
+        </p:spPr>
+      </p:pic>
+      <p:sp>
+        <p:nvSpPr>
+          <p:cNvPr id="8" name="Title 1">
+            <a:extLst>
+              <a:ext uri="{FF2B5EF4-FFF2-40B4-BE49-F238E27FC236}">
+                <a16:creationId xmlns:a16="http://schemas.microsoft.com/office/drawing/2014/main" xmlns="" id="{EBC03A22-2FAB-4E23-879E-9D04C14E1F20}"/>
+              </a:ext>
+            </a:extLst>
+          </p:cNvPr>
+          <p:cNvSpPr txBox="1">
+            <a:spLocks/>
+          </p:cNvSpPr>
+          <p:nvPr/>
+        </p:nvSpPr>
+        <p:spPr>
+          <a:xfrm>
+            <a:off x="287865" y="501650"/>
+            <a:ext cx="5452536" cy="1219200"/>
+          </a:xfrm>
+          <a:prstGeom prst="rect">
+            <a:avLst/>
+          </a:prstGeom>
         </p:spPr>
         <p:txBody>
-          <a:bodyPr wrap="square" rtlCol="0">
-            <a:spAutoFit/>
+          <a:bodyPr vert="horz" lIns="91440" tIns="45720" rIns="91440" bIns="45720" rtlCol="0" anchor="ctr">
+            <a:normAutofit fontScale="90000" lnSpcReduction="20000"/>
           </a:bodyPr>
           <a:lstStyle/>
           <a:p>
-            <a:r>
-              <a:rPr lang="en-US" sz="2800" dirty="0"/>
-              <a:t>   </a:t>
-            </a:r>
-            <a:r>
-              <a:rPr lang="en-US" sz="2400" dirty="0">
-                <a:latin typeface="Arial" panose="020B0604020202020204" pitchFamily="34" charset="0"/>
-                <a:cs typeface="Arial" panose="020B0604020202020204" pitchFamily="34" charset="0"/>
+            <a:pPr marL="0" marR="0" lvl="0" indent="0" algn="ctr" defTabSz="914400" rtl="0" eaLnBrk="1" fontAlgn="auto" latinLnBrk="0" hangingPunct="1">
+              <a:lnSpc>
+                <a:spcPct val="90000"/>
+              </a:lnSpc>
+              <a:spcBef>
+                <a:spcPct val="0"/>
+              </a:spcBef>
+              <a:spcAft>
+                <a:spcPts val="0"/>
+              </a:spcAft>
+              <a:buClrTx/>
+              <a:buSzTx/>
+              <a:buFontTx/>
+              <a:buNone/>
+              <a:tabLst/>
+              <a:defRPr/>
+            </a:pPr>
+            <a:r>
+              <a:rPr kumimoji="0" lang="en-US" sz="3600" b="0" i="0" u="none" strike="noStrike" kern="1200" cap="all" spc="0" normalizeH="0" baseline="0" noProof="0" smtClean="0">
+                <a:ln>
+                  <a:noFill/>
+                </a:ln>
+                <a:solidFill>
+                  <a:schemeClr val="tx1"/>
+                </a:solidFill>
+                <a:effectLst/>
+                <a:uLnTx/>
+                <a:uFillTx/>
+                <a:latin typeface="+mj-lt"/>
+                <a:ea typeface="+mj-ea"/>
+                <a:cs typeface="+mj-cs"/>
               </a:rPr>
-              <a:t>Density plot outlining number of students in default on cost of tuition</a:t>
-            </a:r>
+              <a:t>Density plot </a:t>
+            </a:r>
+            <a:r>
+              <a:rPr kumimoji="0" lang="mr-IN" sz="3600" b="0" i="0" u="none" strike="noStrike" kern="1200" cap="all" spc="0" normalizeH="0" baseline="0" noProof="0" smtClean="0">
+                <a:ln>
+                  <a:noFill/>
+                </a:ln>
+                <a:solidFill>
+                  <a:schemeClr val="tx1"/>
+                </a:solidFill>
+                <a:effectLst/>
+                <a:uLnTx/>
+                <a:uFillTx/>
+                <a:latin typeface="+mj-lt"/>
+                <a:ea typeface="+mj-ea"/>
+                <a:cs typeface="+mj-cs"/>
+              </a:rPr>
+              <a:t>–</a:t>
+            </a:r>
+            <a:r>
+              <a:rPr kumimoji="0" lang="en-US" sz="3600" b="0" i="0" u="none" strike="noStrike" kern="1200" cap="all" spc="0" normalizeH="0" baseline="0" noProof="0" smtClean="0">
+                <a:ln>
+                  <a:noFill/>
+                </a:ln>
+                <a:solidFill>
+                  <a:schemeClr val="tx1"/>
+                </a:solidFill>
+                <a:effectLst/>
+                <a:uLnTx/>
+                <a:uFillTx/>
+                <a:latin typeface="+mj-lt"/>
+                <a:ea typeface="+mj-ea"/>
+                <a:cs typeface="+mj-cs"/>
+              </a:rPr>
+              <a:t>Number of students in default on cost of tuition</a:t>
+            </a:r>
+            <a:endParaRPr kumimoji="0" lang="en-US" sz="3600" b="0" i="0" u="none" strike="noStrike" kern="1200" cap="all" spc="0" normalizeH="0" baseline="0" noProof="0" dirty="0">
+              <a:ln>
+                <a:noFill/>
+              </a:ln>
+              <a:solidFill>
+                <a:schemeClr val="tx1"/>
+              </a:solidFill>
+              <a:effectLst/>
+              <a:uLnTx/>
+              <a:uFillTx/>
+              <a:latin typeface="+mj-lt"/>
+              <a:ea typeface="+mj-ea"/>
+              <a:cs typeface="+mj-cs"/>
+            </a:endParaRPr>
+          </a:p>
+        </p:txBody>
+      </p:sp>
+      <p:sp>
+        <p:nvSpPr>
+          <p:cNvPr id="10" name="Title 1">
+            <a:extLst>
+              <a:ext uri="{FF2B5EF4-FFF2-40B4-BE49-F238E27FC236}">
+                <a16:creationId xmlns:a16="http://schemas.microsoft.com/office/drawing/2014/main" xmlns="" id="{EBC03A22-2FAB-4E23-879E-9D04C14E1F20}"/>
+              </a:ext>
+            </a:extLst>
+          </p:cNvPr>
+          <p:cNvSpPr txBox="1">
+            <a:spLocks/>
+          </p:cNvSpPr>
+          <p:nvPr/>
+        </p:nvSpPr>
+        <p:spPr>
+          <a:xfrm>
+            <a:off x="6163735" y="501650"/>
+            <a:ext cx="5452536" cy="1219200"/>
+          </a:xfrm>
+          <a:prstGeom prst="rect">
+            <a:avLst/>
+          </a:prstGeom>
+        </p:spPr>
+        <p:txBody>
+          <a:bodyPr vert="horz" lIns="91440" tIns="45720" rIns="91440" bIns="45720" rtlCol="0" anchor="ctr">
+            <a:normAutofit fontScale="90000"/>
+          </a:bodyPr>
+          <a:lstStyle>
+            <a:lvl1pPr algn="l" defTabSz="914400" rtl="0" eaLnBrk="1" latinLnBrk="0" hangingPunct="1">
+              <a:lnSpc>
+                <a:spcPct val="90000"/>
+              </a:lnSpc>
+              <a:spcBef>
+                <a:spcPct val="0"/>
+              </a:spcBef>
+              <a:buNone/>
+              <a:defRPr sz="3600" kern="1200" cap="all" baseline="0">
+                <a:solidFill>
+                  <a:schemeClr val="tx1"/>
+                </a:solidFill>
+                <a:latin typeface="+mj-lt"/>
+                <a:ea typeface="+mj-ea"/>
+                <a:cs typeface="+mj-cs"/>
+              </a:defRPr>
+            </a:lvl1pPr>
+          </a:lstStyle>
+          <a:p>
+            <a:pPr algn="ctr"/>
+            <a:r>
+              <a:rPr lang="en-US" dirty="0" smtClean="0"/>
+              <a:t>Scatter Plot—Default Rate (%) on Cost of Tuition</a:t>
+            </a:r>
+            <a:endParaRPr lang="en-US" dirty="0"/>
           </a:p>
         </p:txBody>
       </p:sp>
     </p:spTree>
     <p:extLst>
       <p:ext uri="{BB962C8B-B14F-4D97-AF65-F5344CB8AC3E}">
-        <p14:creationId xmlns:p14="http://schemas.microsoft.com/office/powerpoint/2010/main" val="937476760"/>
+        <p14:creationId xmlns:p14="http://schemas.microsoft.com/office/powerpoint/2010/main" val="1216668452"/>
       </p:ext>
     </p:extLst>
   </p:cSld>
